--- a/Report/Ariane_5_ECA_Imbalance.pptx
+++ b/Report/Ariane_5_ECA_Imbalance.pptx
@@ -15087,7 +15087,7 @@
                   <a:lumMod val="95000"/>
                 </a:schemeClr>
               </a:solidFill>
-              <a:latin typeface="Arial" panose="020B0604020202020204" pitchFamily="34" charset="0"/>
+              <a:latin typeface="+mn-lt"/>
               <a:cs typeface="Arial" panose="020B0604020202020204" pitchFamily="34" charset="0"/>
             </a:rPr>
             <a:t>Thrust Imbalance</a:t>
@@ -15133,7 +15133,7 @@
                   <a:lumMod val="95000"/>
                 </a:schemeClr>
               </a:solidFill>
-              <a:latin typeface="Arial" panose="020B0604020202020204" pitchFamily="34" charset="0"/>
+              <a:latin typeface="+mn-lt"/>
               <a:cs typeface="Arial" panose="020B0604020202020204" pitchFamily="34" charset="0"/>
             </a:rPr>
             <a:t>Boosting Phase</a:t>
@@ -15182,7 +15182,7 @@
                   <a:lumMod val="95000"/>
                 </a:schemeClr>
               </a:solidFill>
-              <a:latin typeface="Arial" panose="020B0604020202020204" pitchFamily="34" charset="0"/>
+              <a:latin typeface="+mn-lt"/>
               <a:cs typeface="Arial" panose="020B0604020202020204" pitchFamily="34" charset="0"/>
             </a:rPr>
             <a:t>Simulation</a:t>
@@ -15228,7 +15228,7 @@
                   <a:lumMod val="95000"/>
                 </a:schemeClr>
               </a:solidFill>
-              <a:latin typeface="Arial" panose="020B0604020202020204" pitchFamily="34" charset="0"/>
+              <a:latin typeface="+mn-lt"/>
               <a:cs typeface="Arial" panose="020B0604020202020204" pitchFamily="34" charset="0"/>
             </a:rPr>
             <a:t>TVC</a:t>
@@ -17405,7 +17405,7 @@
   <dgm:whole/>
   <dgm:extLst>
     <a:ext uri="http://schemas.microsoft.com/office/drawing/2008/diagram">
-      <dsp:dataModelExt xmlns:dsp="http://schemas.microsoft.com/office/drawing/2008/diagram" relId="rId10" minVer="http://schemas.openxmlformats.org/drawingml/2006/diagram"/>
+      <dsp:dataModelExt xmlns:dsp="http://schemas.microsoft.com/office/drawing/2008/diagram" relId="rId9" minVer="http://schemas.openxmlformats.org/drawingml/2006/diagram"/>
     </a:ext>
   </dgm:extLst>
 </dgm:dataModel>
@@ -21203,8 +21203,8 @@
       </dsp:nvSpPr>
       <dsp:spPr>
         <a:xfrm rot="20537286" flipV="1">
-          <a:off x="1129292" y="2082291"/>
-          <a:ext cx="5930732" cy="4093683"/>
+          <a:off x="1158497" y="2109617"/>
+          <a:ext cx="6008563" cy="4147406"/>
         </a:xfrm>
         <a:prstGeom prst="swooshArrow">
           <a:avLst>
@@ -21244,8 +21244,8 @@
       </dsp:nvSpPr>
       <dsp:spPr>
         <a:xfrm>
-          <a:off x="1104937" y="4518041"/>
-          <a:ext cx="149504" cy="149504"/>
+          <a:off x="1126630" y="4577332"/>
+          <a:ext cx="151466" cy="151466"/>
         </a:xfrm>
         <a:prstGeom prst="ellipse">
           <a:avLst/>
@@ -21285,8 +21285,8 @@
       </dsp:nvSpPr>
       <dsp:spPr>
         <a:xfrm>
-          <a:off x="934642" y="2901287"/>
-          <a:ext cx="149504" cy="149504"/>
+          <a:off x="954100" y="2939361"/>
+          <a:ext cx="151466" cy="151466"/>
         </a:xfrm>
         <a:prstGeom prst="ellipse">
           <a:avLst/>
@@ -21326,8 +21326,8 @@
       </dsp:nvSpPr>
       <dsp:spPr>
         <a:xfrm>
-          <a:off x="4177136" y="4035772"/>
-          <a:ext cx="149504" cy="149504"/>
+          <a:off x="4239147" y="4088735"/>
+          <a:ext cx="151466" cy="151466"/>
         </a:xfrm>
         <a:prstGeom prst="ellipse">
           <a:avLst/>
@@ -21367,8 +21367,8 @@
       </dsp:nvSpPr>
       <dsp:spPr>
         <a:xfrm>
-          <a:off x="0" y="4694586"/>
-          <a:ext cx="2298837" cy="730272"/>
+          <a:off x="0" y="4756195"/>
+          <a:ext cx="2329005" cy="739856"/>
         </a:xfrm>
         <a:prstGeom prst="rect">
           <a:avLst/>
@@ -21421,8 +21421,8 @@
         </a:p>
       </dsp:txBody>
       <dsp:txXfrm>
-        <a:off x="0" y="4694586"/>
-        <a:ext cx="2298837" cy="730272"/>
+        <a:off x="0" y="4756195"/>
+        <a:ext cx="2329005" cy="739856"/>
       </dsp:txXfrm>
     </dsp:sp>
     <dsp:sp modelId="{8F212782-DDD3-4DE4-BD9E-1A6D1A1B3078}">
@@ -21432,8 +21432,8 @@
       </dsp:nvSpPr>
       <dsp:spPr>
         <a:xfrm>
-          <a:off x="1109948" y="1818384"/>
-          <a:ext cx="2186657" cy="1097280"/>
+          <a:off x="1131707" y="1842248"/>
+          <a:ext cx="2215354" cy="1111680"/>
         </a:xfrm>
         <a:prstGeom prst="rect">
           <a:avLst/>
@@ -21481,7 +21481,7 @@
                   <a:lumMod val="95000"/>
                 </a:schemeClr>
               </a:solidFill>
-              <a:latin typeface="Arial" panose="020B0604020202020204" pitchFamily="34" charset="0"/>
+              <a:latin typeface="+mn-lt"/>
               <a:cs typeface="Arial" panose="020B0604020202020204" pitchFamily="34" charset="0"/>
             </a:rPr>
             <a:t>Thrust Imbalance</a:t>
@@ -21489,8 +21489,8 @@
         </a:p>
       </dsp:txBody>
       <dsp:txXfrm>
-        <a:off x="1109948" y="1818384"/>
-        <a:ext cx="2186657" cy="1097280"/>
+        <a:off x="1131707" y="1842248"/>
+        <a:ext cx="2215354" cy="1111680"/>
       </dsp:txXfrm>
     </dsp:sp>
     <dsp:sp modelId="{E6D4F0DE-1549-440E-9B2A-BCBA0DE24D74}">
@@ -21500,8 +21500,8 @@
       </dsp:nvSpPr>
       <dsp:spPr>
         <a:xfrm>
-          <a:off x="974288" y="5462194"/>
-          <a:ext cx="2381038" cy="1064515"/>
+          <a:off x="994266" y="5533876"/>
+          <a:ext cx="2412285" cy="1078485"/>
         </a:xfrm>
         <a:prstGeom prst="rect">
           <a:avLst/>
@@ -21549,7 +21549,7 @@
                   <a:lumMod val="95000"/>
                 </a:schemeClr>
               </a:solidFill>
-              <a:latin typeface="Arial" panose="020B0604020202020204" pitchFamily="34" charset="0"/>
+              <a:latin typeface="+mn-lt"/>
               <a:cs typeface="Arial" panose="020B0604020202020204" pitchFamily="34" charset="0"/>
             </a:rPr>
             <a:t>Boosting Phase</a:t>
@@ -21572,8 +21572,8 @@
         </a:p>
       </dsp:txBody>
       <dsp:txXfrm>
-        <a:off x="974288" y="5462194"/>
-        <a:ext cx="2381038" cy="1064515"/>
+        <a:off x="994266" y="5533876"/>
+        <a:ext cx="2412285" cy="1078485"/>
       </dsp:txXfrm>
     </dsp:sp>
     <dsp:sp modelId="{BF85A40C-099A-4252-9FFB-E9121414AFDE}">
@@ -21583,8 +21583,8 @@
       </dsp:nvSpPr>
       <dsp:spPr>
         <a:xfrm>
-          <a:off x="2791766" y="5098810"/>
-          <a:ext cx="149504" cy="149504"/>
+          <a:off x="2835596" y="5165723"/>
+          <a:ext cx="151466" cy="151466"/>
         </a:xfrm>
         <a:prstGeom prst="ellipse">
           <a:avLst/>
@@ -21624,8 +21624,8 @@
       </dsp:nvSpPr>
       <dsp:spPr>
         <a:xfrm>
-          <a:off x="5163805" y="5508389"/>
-          <a:ext cx="2942081" cy="1029446"/>
+          <a:off x="5238764" y="5580678"/>
+          <a:ext cx="2980692" cy="1042955"/>
         </a:xfrm>
         <a:prstGeom prst="rect">
           <a:avLst/>
@@ -21649,12 +21649,12 @@
         <a:fontRef idx="minor"/>
       </dsp:style>
       <dsp:txBody>
-        <a:bodyPr spcFirstLastPara="0" vert="horz" wrap="square" lIns="78740" tIns="78740" rIns="78740" bIns="78740" numCol="1" spcCol="1270" anchor="ctr" anchorCtr="0">
+        <a:bodyPr spcFirstLastPara="0" vert="horz" wrap="square" lIns="80010" tIns="80010" rIns="80010" bIns="80010" numCol="1" spcCol="1270" anchor="ctr" anchorCtr="0">
           <a:noAutofit/>
         </a:bodyPr>
         <a:lstStyle/>
         <a:p>
-          <a:pPr marL="0" lvl="0" indent="0" algn="l" defTabSz="2755900">
+          <a:pPr marL="0" lvl="0" indent="0" algn="l" defTabSz="2800350">
             <a:lnSpc>
               <a:spcPct val="90000"/>
             </a:lnSpc>
@@ -21666,12 +21666,12 @@
             </a:spcAft>
             <a:buNone/>
           </a:pPr>
-          <a:endParaRPr lang="it-IT" sz="6200" kern="1200"/>
+          <a:endParaRPr lang="it-IT" sz="6300" kern="1200"/>
         </a:p>
       </dsp:txBody>
       <dsp:txXfrm>
-        <a:off x="5163805" y="5508389"/>
-        <a:ext cx="2942081" cy="1029446"/>
+        <a:off x="5238764" y="5580678"/>
+        <a:ext cx="2980692" cy="1042955"/>
       </dsp:txXfrm>
     </dsp:sp>
     <dsp:sp modelId="{B03A29E2-AF6C-437C-828C-C2200DB15294}">
@@ -21681,8 +21681,8 @@
       </dsp:nvSpPr>
       <dsp:spPr>
         <a:xfrm>
-          <a:off x="2990542" y="3101324"/>
-          <a:ext cx="1984170" cy="907966"/>
+          <a:off x="3036981" y="3142024"/>
+          <a:ext cx="2010209" cy="919881"/>
         </a:xfrm>
         <a:prstGeom prst="rect">
           <a:avLst/>
@@ -21730,7 +21730,7 @@
                   <a:lumMod val="95000"/>
                 </a:schemeClr>
               </a:solidFill>
-              <a:latin typeface="Arial" panose="020B0604020202020204" pitchFamily="34" charset="0"/>
+              <a:latin typeface="+mn-lt"/>
               <a:cs typeface="Arial" panose="020B0604020202020204" pitchFamily="34" charset="0"/>
             </a:rPr>
             <a:t>Simulation</a:t>
@@ -21738,8 +21738,8 @@
         </a:p>
       </dsp:txBody>
       <dsp:txXfrm>
-        <a:off x="2990542" y="3101324"/>
-        <a:ext cx="1984170" cy="907966"/>
+        <a:off x="3036981" y="3142024"/>
+        <a:ext cx="2010209" cy="919881"/>
       </dsp:txXfrm>
     </dsp:sp>
     <dsp:sp modelId="{2EF456FD-3177-455C-BC0C-45B1632298F3}">
@@ -21749,8 +21749,8 @@
       </dsp:nvSpPr>
       <dsp:spPr>
         <a:xfrm>
-          <a:off x="5087069" y="5248312"/>
-          <a:ext cx="149504" cy="149504"/>
+          <a:off x="5161021" y="5317188"/>
+          <a:ext cx="151466" cy="151466"/>
         </a:xfrm>
         <a:prstGeom prst="ellipse">
           <a:avLst/>
@@ -21790,8 +21790,8 @@
       </dsp:nvSpPr>
       <dsp:spPr>
         <a:xfrm>
-          <a:off x="4614234" y="5688985"/>
-          <a:ext cx="956988" cy="454844"/>
+          <a:off x="4681981" y="5763643"/>
+          <a:ext cx="969547" cy="460813"/>
         </a:xfrm>
         <a:prstGeom prst="rect">
           <a:avLst/>
@@ -21839,7 +21839,7 @@
                   <a:lumMod val="95000"/>
                 </a:schemeClr>
               </a:solidFill>
-              <a:latin typeface="Arial" panose="020B0604020202020204" pitchFamily="34" charset="0"/>
+              <a:latin typeface="+mn-lt"/>
               <a:cs typeface="Arial" panose="020B0604020202020204" pitchFamily="34" charset="0"/>
             </a:rPr>
             <a:t>TVC</a:t>
@@ -21847,8 +21847,8 @@
         </a:p>
       </dsp:txBody>
       <dsp:txXfrm>
-        <a:off x="4614234" y="5688985"/>
-        <a:ext cx="956988" cy="454844"/>
+        <a:off x="4681981" y="5763643"/>
+        <a:ext cx="969547" cy="460813"/>
       </dsp:txXfrm>
     </dsp:sp>
     <dsp:sp modelId="{5051312C-8E12-47D1-8294-421BB876207A}">
@@ -21858,8 +21858,8 @@
       </dsp:nvSpPr>
       <dsp:spPr>
         <a:xfrm>
-          <a:off x="4363363" y="5828553"/>
-          <a:ext cx="3771900" cy="1029446"/>
+          <a:off x="4427817" y="5905044"/>
+          <a:ext cx="3821400" cy="1042955"/>
         </a:xfrm>
         <a:prstGeom prst="rect">
           <a:avLst/>
@@ -21883,12 +21883,12 @@
         <a:fontRef idx="minor"/>
       </dsp:style>
       <dsp:txBody>
-        <a:bodyPr spcFirstLastPara="0" vert="horz" wrap="square" lIns="78740" tIns="78740" rIns="78740" bIns="78740" numCol="1" spcCol="1270" anchor="t" anchorCtr="0">
+        <a:bodyPr spcFirstLastPara="0" vert="horz" wrap="square" lIns="80010" tIns="80010" rIns="80010" bIns="80010" numCol="1" spcCol="1270" anchor="t" anchorCtr="0">
           <a:noAutofit/>
         </a:bodyPr>
         <a:lstStyle/>
         <a:p>
-          <a:pPr marL="0" lvl="0" indent="0" algn="ctr" defTabSz="2755900">
+          <a:pPr marL="0" lvl="0" indent="0" algn="ctr" defTabSz="2800350">
             <a:lnSpc>
               <a:spcPct val="90000"/>
             </a:lnSpc>
@@ -21900,12 +21900,12 @@
             </a:spcAft>
             <a:buNone/>
           </a:pPr>
-          <a:endParaRPr lang="it-IT" sz="6200" kern="1200"/>
+          <a:endParaRPr lang="it-IT" sz="6300" kern="1200"/>
         </a:p>
       </dsp:txBody>
       <dsp:txXfrm>
-        <a:off x="4363363" y="5828553"/>
-        <a:ext cx="3771900" cy="1029446"/>
+        <a:off x="4427817" y="5905044"/>
+        <a:ext cx="3821400" cy="1042955"/>
       </dsp:txXfrm>
     </dsp:sp>
   </dsp:spTree>
@@ -22681,8 +22681,8 @@
       </dsp:nvSpPr>
       <dsp:spPr>
         <a:xfrm rot="5400000">
-          <a:off x="5017406" y="-2058798"/>
-          <a:ext cx="770659" cy="5084928"/>
+          <a:off x="5582438" y="-2320497"/>
+          <a:ext cx="781362" cy="5621760"/>
         </a:xfrm>
         <a:prstGeom prst="round2SameRect">
           <a:avLst/>
@@ -22751,8 +22751,8 @@
         </a:p>
       </dsp:txBody>
       <dsp:txXfrm rot="-5400000">
-        <a:off x="2860272" y="135956"/>
-        <a:ext cx="5047308" cy="695419"/>
+        <a:off x="3162240" y="137844"/>
+        <a:ext cx="5583617" cy="705076"/>
       </dsp:txXfrm>
     </dsp:sp>
     <dsp:sp modelId="{AA5965A3-AF82-491D-8FEB-59506F85532D}">
@@ -22762,8 +22762,8 @@
       </dsp:nvSpPr>
       <dsp:spPr>
         <a:xfrm>
-          <a:off x="0" y="2002"/>
-          <a:ext cx="2860272" cy="963324"/>
+          <a:off x="0" y="2030"/>
+          <a:ext cx="3162240" cy="976703"/>
         </a:xfrm>
         <a:prstGeom prst="roundRect">
           <a:avLst/>
@@ -22840,8 +22840,8 @@
         </a:p>
       </dsp:txBody>
       <dsp:txXfrm>
-        <a:off x="47026" y="49028"/>
-        <a:ext cx="2766220" cy="869272"/>
+        <a:off x="47679" y="49709"/>
+        <a:ext cx="3066882" cy="881345"/>
       </dsp:txXfrm>
     </dsp:sp>
     <dsp:sp modelId="{7CA3CDD9-B1F2-48AA-BDFD-2EFD891B18C0}">
@@ -22851,8 +22851,8 @@
       </dsp:nvSpPr>
       <dsp:spPr>
         <a:xfrm rot="5400000">
-          <a:off x="5017406" y="-1047307"/>
-          <a:ext cx="770659" cy="5084928"/>
+          <a:off x="5582438" y="-1294958"/>
+          <a:ext cx="781362" cy="5621760"/>
         </a:xfrm>
         <a:prstGeom prst="round2SameRect">
           <a:avLst/>
@@ -22921,8 +22921,8 @@
         </a:p>
       </dsp:txBody>
       <dsp:txXfrm rot="-5400000">
-        <a:off x="2860272" y="1147447"/>
-        <a:ext cx="5047308" cy="695419"/>
+        <a:off x="3162240" y="1163383"/>
+        <a:ext cx="5583617" cy="705076"/>
       </dsp:txXfrm>
     </dsp:sp>
     <dsp:sp modelId="{E10CFC91-C291-46E7-8194-1B586CA61332}">
@@ -22932,8 +22932,8 @@
       </dsp:nvSpPr>
       <dsp:spPr>
         <a:xfrm>
-          <a:off x="0" y="1013493"/>
-          <a:ext cx="2860272" cy="963324"/>
+          <a:off x="0" y="1027569"/>
+          <a:ext cx="3162240" cy="976703"/>
         </a:xfrm>
         <a:prstGeom prst="roundRect">
           <a:avLst/>
@@ -23010,8 +23010,8 @@
         </a:p>
       </dsp:txBody>
       <dsp:txXfrm>
-        <a:off x="47026" y="1060519"/>
-        <a:ext cx="2766220" cy="869272"/>
+        <a:off x="47679" y="1075248"/>
+        <a:ext cx="3066882" cy="881345"/>
       </dsp:txXfrm>
     </dsp:sp>
     <dsp:sp modelId="{4D0AC2DA-3682-4269-A19D-93017789ED07}">
@@ -23021,8 +23021,8 @@
       </dsp:nvSpPr>
       <dsp:spPr>
         <a:xfrm rot="5400000">
-          <a:off x="5017406" y="-35817"/>
-          <a:ext cx="770659" cy="5084928"/>
+          <a:off x="5582438" y="-269420"/>
+          <a:ext cx="781362" cy="5621760"/>
         </a:xfrm>
         <a:prstGeom prst="round2SameRect">
           <a:avLst/>
@@ -23095,8 +23095,8 @@
         </a:p>
       </dsp:txBody>
       <dsp:txXfrm rot="-5400000">
-        <a:off x="2860272" y="2158937"/>
-        <a:ext cx="5047308" cy="695419"/>
+        <a:off x="3162240" y="2188921"/>
+        <a:ext cx="5583617" cy="705076"/>
       </dsp:txXfrm>
     </dsp:sp>
     <dsp:sp modelId="{14554A6D-29B4-4FB3-8C36-FD0EC7BEDF08}">
@@ -23106,8 +23106,8 @@
       </dsp:nvSpPr>
       <dsp:spPr>
         <a:xfrm>
-          <a:off x="0" y="2024984"/>
-          <a:ext cx="2860272" cy="963324"/>
+          <a:off x="0" y="2053108"/>
+          <a:ext cx="3162240" cy="976703"/>
         </a:xfrm>
         <a:prstGeom prst="roundRect">
           <a:avLst/>
@@ -23184,8 +23184,8 @@
         </a:p>
       </dsp:txBody>
       <dsp:txXfrm>
-        <a:off x="47026" y="2072010"/>
-        <a:ext cx="2766220" cy="869272"/>
+        <a:off x="47679" y="2100787"/>
+        <a:ext cx="3066882" cy="881345"/>
       </dsp:txXfrm>
     </dsp:sp>
     <dsp:sp modelId="{768001A3-9A49-4017-9882-72397EAC22B3}">
@@ -23195,8 +23195,8 @@
       </dsp:nvSpPr>
       <dsp:spPr>
         <a:xfrm rot="5400000">
-          <a:off x="5017406" y="975673"/>
-          <a:ext cx="770659" cy="5084928"/>
+          <a:off x="5582438" y="756118"/>
+          <a:ext cx="781362" cy="5621760"/>
         </a:xfrm>
         <a:prstGeom prst="round2SameRect">
           <a:avLst/>
@@ -23269,8 +23269,8 @@
         </a:p>
       </dsp:txBody>
       <dsp:txXfrm rot="-5400000">
-        <a:off x="2860272" y="3170427"/>
-        <a:ext cx="5047308" cy="695419"/>
+        <a:off x="3162240" y="3214460"/>
+        <a:ext cx="5583617" cy="705076"/>
       </dsp:txXfrm>
     </dsp:sp>
     <dsp:sp modelId="{AB2EF4C4-CFFB-485C-9E92-4ECADD19F4D1}">
@@ -23280,8 +23280,8 @@
       </dsp:nvSpPr>
       <dsp:spPr>
         <a:xfrm>
-          <a:off x="0" y="3036475"/>
-          <a:ext cx="2860272" cy="963324"/>
+          <a:off x="0" y="3078646"/>
+          <a:ext cx="3162240" cy="976703"/>
         </a:xfrm>
         <a:prstGeom prst="roundRect">
           <a:avLst/>
@@ -23358,8 +23358,8 @@
         </a:p>
       </dsp:txBody>
       <dsp:txXfrm>
-        <a:off x="47026" y="3083501"/>
-        <a:ext cx="2766220" cy="869272"/>
+        <a:off x="47679" y="3126325"/>
+        <a:ext cx="3066882" cy="881345"/>
       </dsp:txXfrm>
     </dsp:sp>
   </dsp:spTree>
@@ -46221,7 +46221,7 @@
           <a:p>
             <a:fld id="{91CED836-496E-461D-8C73-26B0C41E6B93}" type="datetimeFigureOut">
               <a:rPr lang="it-IT" smtClean="0"/>
-              <a:t>10/01/2018</a:t>
+              <a:t>11/01/2018</a:t>
             </a:fld>
             <a:endParaRPr lang="it-IT"/>
           </a:p>
@@ -46635,7 +46635,7 @@
           <a:p>
             <a:fld id="{283C7CA0-7DDF-41D5-980E-AB3070770B4A}" type="datetime1">
               <a:rPr lang="it-IT" smtClean="0"/>
-              <a:t>10/01/2018</a:t>
+              <a:t>11/01/2018</a:t>
             </a:fld>
             <a:endParaRPr lang="it-IT"/>
           </a:p>
@@ -46837,7 +46837,7 @@
           <a:p>
             <a:fld id="{777FB179-1A58-4125-98DE-4236D2A8C066}" type="datetime1">
               <a:rPr lang="it-IT" smtClean="0"/>
-              <a:t>10/01/2018</a:t>
+              <a:t>11/01/2018</a:t>
             </a:fld>
             <a:endParaRPr lang="it-IT"/>
           </a:p>
@@ -47049,7 +47049,7 @@
           <a:p>
             <a:fld id="{B2A5521E-491E-4055-9A02-9610138EC0B9}" type="datetime1">
               <a:rPr lang="it-IT" smtClean="0"/>
-              <a:t>10/01/2018</a:t>
+              <a:t>11/01/2018</a:t>
             </a:fld>
             <a:endParaRPr lang="it-IT"/>
           </a:p>
@@ -47251,7 +47251,7 @@
           <a:p>
             <a:fld id="{D0832DB1-FE4D-4F13-B7F2-5E28DADB92EA}" type="datetime1">
               <a:rPr lang="it-IT" smtClean="0"/>
-              <a:t>10/01/2018</a:t>
+              <a:t>11/01/2018</a:t>
             </a:fld>
             <a:endParaRPr lang="it-IT"/>
           </a:p>
@@ -47530,7 +47530,7 @@
           <a:p>
             <a:fld id="{699F47AA-C090-4B98-82E0-189EF7743D70}" type="datetime1">
               <a:rPr lang="it-IT" smtClean="0"/>
-              <a:t>10/01/2018</a:t>
+              <a:t>11/01/2018</a:t>
             </a:fld>
             <a:endParaRPr lang="it-IT"/>
           </a:p>
@@ -47799,7 +47799,7 @@
           <a:p>
             <a:fld id="{C8A8A1DA-E269-4035-B86B-FDC39ED2F96B}" type="datetime1">
               <a:rPr lang="it-IT" smtClean="0"/>
-              <a:t>10/01/2018</a:t>
+              <a:t>11/01/2018</a:t>
             </a:fld>
             <a:endParaRPr lang="it-IT"/>
           </a:p>
@@ -48215,7 +48215,7 @@
           <a:p>
             <a:fld id="{DE4E1273-DA04-4FF4-B55B-87A813A5FAB4}" type="datetime1">
               <a:rPr lang="it-IT" smtClean="0"/>
-              <a:t>10/01/2018</a:t>
+              <a:t>11/01/2018</a:t>
             </a:fld>
             <a:endParaRPr lang="it-IT"/>
           </a:p>
@@ -48360,7 +48360,7 @@
           <a:p>
             <a:fld id="{6C89CE24-3FE0-49F3-A5EC-F5596927B0E9}" type="datetime1">
               <a:rPr lang="it-IT" smtClean="0"/>
-              <a:t>10/01/2018</a:t>
+              <a:t>11/01/2018</a:t>
             </a:fld>
             <a:endParaRPr lang="it-IT"/>
           </a:p>
@@ -48477,7 +48477,7 @@
           <a:p>
             <a:fld id="{FBF51C71-23B2-4984-8705-93004422B1DE}" type="datetime1">
               <a:rPr lang="it-IT" smtClean="0"/>
-              <a:t>10/01/2018</a:t>
+              <a:t>11/01/2018</a:t>
             </a:fld>
             <a:endParaRPr lang="it-IT"/>
           </a:p>
@@ -48792,7 +48792,7 @@
           <a:p>
             <a:fld id="{5429F4FE-F806-469E-9AB2-34D0E9A94555}" type="datetime1">
               <a:rPr lang="it-IT" smtClean="0"/>
-              <a:t>10/01/2018</a:t>
+              <a:t>11/01/2018</a:t>
             </a:fld>
             <a:endParaRPr lang="it-IT"/>
           </a:p>
@@ -49084,7 +49084,7 @@
           <a:p>
             <a:fld id="{347B3319-D217-40E8-9F26-A06CDA4E6B56}" type="datetime1">
               <a:rPr lang="it-IT" smtClean="0"/>
-              <a:t>10/01/2018</a:t>
+              <a:t>11/01/2018</a:t>
             </a:fld>
             <a:endParaRPr lang="it-IT"/>
           </a:p>
@@ -49338,7 +49338,7 @@
           <a:p>
             <a:fld id="{0E075653-1266-41EF-80FF-7570B0BA5C06}" type="datetime1">
               <a:rPr lang="it-IT" smtClean="0"/>
-              <a:t>10/01/2018</a:t>
+              <a:t>11/01/2018</a:t>
             </a:fld>
             <a:endParaRPr lang="it-IT"/>
           </a:p>
@@ -52056,7 +52056,7 @@
         </p:blipFill>
         <p:spPr>
           <a:xfrm>
-            <a:off x="3062399" y="1782215"/>
+            <a:off x="3062399" y="1764000"/>
             <a:ext cx="6067200" cy="4550400"/>
           </a:xfrm>
           <a:prstGeom prst="rect">
@@ -52742,8 +52742,8 @@
         </p:nvSpPr>
         <p:spPr>
           <a:xfrm>
-            <a:off x="426129" y="1116270"/>
-            <a:ext cx="4093117" cy="2246769"/>
+            <a:off x="551136" y="1261362"/>
+            <a:ext cx="3723840" cy="2246769"/>
           </a:xfrm>
           <a:prstGeom prst="rect">
             <a:avLst/>
@@ -52764,7 +52764,6 @@
                     <a:lumMod val="95000"/>
                   </a:schemeClr>
                 </a:solidFill>
-                <a:latin typeface="Arial" panose="020B0604020202020204" pitchFamily="34" charset="0"/>
                 <a:cs typeface="Arial" panose="020B0604020202020204" pitchFamily="34" charset="0"/>
               </a:rPr>
               <a:t>Analysis of the possible scenarios in case of imbalance between the twin external rockets operating as boost stage</a:t>
@@ -52785,14 +52784,14 @@
           <p:nvPr>
             <p:extLst>
               <p:ext uri="{D42A27DB-BD31-4B8C-83A1-F6EECF244321}">
-                <p14:modId xmlns:p14="http://schemas.microsoft.com/office/powerpoint/2010/main" val="1724922562"/>
+                <p14:modId xmlns:p14="http://schemas.microsoft.com/office/powerpoint/2010/main" val="1518089322"/>
               </p:ext>
             </p:extLst>
           </p:nvPr>
         </p:nvGraphicFramePr>
         <p:xfrm>
           <a:off x="4356843" y="79131"/>
-          <a:ext cx="8513884" cy="6858000"/>
+          <a:ext cx="8640000" cy="6948000"/>
         </p:xfrm>
         <a:graphic>
           <a:graphicData uri="http://schemas.openxmlformats.org/drawingml/2006/diagram">
@@ -52865,7 +52864,6 @@
                     <a:lumMod val="95000"/>
                   </a:schemeClr>
                 </a:solidFill>
-                <a:latin typeface="Arial" panose="020B0604020202020204" pitchFamily="34" charset="0"/>
                 <a:cs typeface="Arial" panose="020B0604020202020204" pitchFamily="34" charset="0"/>
               </a:rPr>
               <a:t>Ariane 5 ECA</a:t>
@@ -53163,8 +53161,8 @@
         </p:nvSpPr>
         <p:spPr>
           <a:xfrm>
-            <a:off x="554135" y="2120306"/>
-            <a:ext cx="712054" cy="400110"/>
+            <a:off x="487460" y="2120306"/>
+            <a:ext cx="729430" cy="461665"/>
           </a:xfrm>
           <a:prstGeom prst="rect">
             <a:avLst/>
@@ -53178,12 +53176,12 @@
           <a:lstStyle/>
           <a:p>
             <a:r>
-              <a:rPr lang="it-IT" sz="2000" dirty="0">
+              <a:rPr lang="it-IT" sz="2400" dirty="0">
                 <a:solidFill>
                   <a:schemeClr val="bg1"/>
                 </a:solidFill>
-                <a:latin typeface="Arial" panose="020B0604020202020204" pitchFamily="34" charset="0"/>
-                <a:cs typeface="Arial" panose="020B0604020202020204" pitchFamily="34" charset="0"/>
+                <a:latin typeface="Calibri" panose="020F0502020204030204" pitchFamily="34" charset="0"/>
+                <a:cs typeface="Calibri" panose="020F0502020204030204" pitchFamily="34" charset="0"/>
               </a:rPr>
               <a:t>Cost</a:t>
             </a:r>
@@ -53205,7 +53203,7 @@
         <p:spPr>
           <a:xfrm>
             <a:off x="3262810" y="2520416"/>
-            <a:ext cx="1239442" cy="400110"/>
+            <a:ext cx="1372492" cy="461665"/>
           </a:xfrm>
           <a:prstGeom prst="rect">
             <a:avLst/>
@@ -53219,12 +53217,12 @@
           <a:lstStyle/>
           <a:p>
             <a:r>
-              <a:rPr lang="it-IT" sz="2000" dirty="0">
+              <a:rPr lang="it-IT" sz="2400" dirty="0">
                 <a:solidFill>
                   <a:schemeClr val="bg1"/>
                 </a:solidFill>
-                <a:latin typeface="Arial" panose="020B0604020202020204" pitchFamily="34" charset="0"/>
-                <a:cs typeface="Arial" panose="020B0604020202020204" pitchFamily="34" charset="0"/>
+                <a:latin typeface="Calibri" panose="020F0502020204030204" pitchFamily="34" charset="0"/>
+                <a:cs typeface="Calibri" panose="020F0502020204030204" pitchFamily="34" charset="0"/>
               </a:rPr>
               <a:t>Risk/time</a:t>
             </a:r>
@@ -53246,7 +53244,7 @@
         <p:spPr>
           <a:xfrm>
             <a:off x="1898084" y="4788775"/>
-            <a:ext cx="1651414" cy="400110"/>
+            <a:ext cx="1794274" cy="461665"/>
           </a:xfrm>
           <a:prstGeom prst="rect">
             <a:avLst/>
@@ -53260,11 +53258,10 @@
           <a:lstStyle/>
           <a:p>
             <a:r>
-              <a:rPr lang="it-IT" sz="2000" dirty="0">
+              <a:rPr lang="it-IT" sz="2400" dirty="0">
                 <a:solidFill>
                   <a:schemeClr val="bg1"/>
                 </a:solidFill>
-                <a:latin typeface="Arial" panose="020B0604020202020204" pitchFamily="34" charset="0"/>
                 <a:cs typeface="Arial" panose="020B0604020202020204" pitchFamily="34" charset="0"/>
               </a:rPr>
               <a:t>Performance</a:t>
@@ -53287,14 +53284,14 @@
           <p:nvPr>
             <p:extLst>
               <p:ext uri="{D42A27DB-BD31-4B8C-83A1-F6EECF244321}">
-                <p14:modId xmlns:p14="http://schemas.microsoft.com/office/powerpoint/2010/main" val="1366840317"/>
+                <p14:modId xmlns:p14="http://schemas.microsoft.com/office/powerpoint/2010/main" val="522772184"/>
               </p:ext>
             </p:extLst>
           </p:nvPr>
         </p:nvGraphicFramePr>
         <p:xfrm>
           <a:off x="5195046" y="1677685"/>
-          <a:ext cx="6665234" cy="3731504"/>
+          <a:ext cx="6665234" cy="3740874"/>
         </p:xfrm>
         <a:graphic>
           <a:graphicData uri="http://schemas.openxmlformats.org/drawingml/2006/table">
@@ -53326,20 +53323,32 @@
                     <a:p>
                       <a:pPr algn="ctr"/>
                       <a:r>
-                        <a:rPr lang="en-GB" sz="2400" b="1" kern="1200" dirty="0">
+                        <a:rPr lang="en-GB" sz="2900" b="1" kern="1200" dirty="0">
                           <a:solidFill>
                             <a:schemeClr val="lt1"/>
                           </a:solidFill>
                           <a:effectLst/>
-                          <a:latin typeface="Arial" panose="020B0604020202020204" pitchFamily="34" charset="0"/>
+                          <a:latin typeface="Calibri" panose="020F0502020204030204" pitchFamily="34" charset="0"/>
                           <a:ea typeface="+mn-ea"/>
-                          <a:cs typeface="Arial" panose="020B0604020202020204" pitchFamily="34" charset="0"/>
+                          <a:cs typeface="Calibri" panose="020F0502020204030204" pitchFamily="34" charset="0"/>
                         </a:rPr>
-                        <a:t>Customer requirements [weight over 100%]</a:t>
+                        <a:t>Customer requirements </a:t>
                       </a:r>
-                      <a:endParaRPr lang="it-IT" sz="2400" dirty="0">
-                        <a:latin typeface="Arial" panose="020B0604020202020204" pitchFamily="34" charset="0"/>
-                        <a:cs typeface="Arial" panose="020B0604020202020204" pitchFamily="34" charset="0"/>
+                      <a:r>
+                        <a:rPr lang="en-GB" sz="2700" b="1" kern="1200" dirty="0">
+                          <a:solidFill>
+                            <a:schemeClr val="lt1"/>
+                          </a:solidFill>
+                          <a:effectLst/>
+                          <a:latin typeface="Calibri" panose="020F0502020204030204" pitchFamily="34" charset="0"/>
+                          <a:ea typeface="+mn-ea"/>
+                          <a:cs typeface="Calibri" panose="020F0502020204030204" pitchFamily="34" charset="0"/>
+                        </a:rPr>
+                        <a:t>[weight over 100%]</a:t>
+                      </a:r>
+                      <a:endParaRPr lang="it-IT" sz="2700" dirty="0">
+                        <a:latin typeface="Calibri" panose="020F0502020204030204" pitchFamily="34" charset="0"/>
+                        <a:cs typeface="Calibri" panose="020F0502020204030204" pitchFamily="34" charset="0"/>
                       </a:endParaRPr>
                     </a:p>
                   </a:txBody>
@@ -53369,20 +53378,20 @@
                     <a:p>
                       <a:pPr algn="l"/>
                       <a:r>
-                        <a:rPr lang="en-GB" sz="2000" kern="1200" dirty="0">
+                        <a:rPr lang="en-GB" sz="2400" kern="1200" dirty="0">
                           <a:solidFill>
                             <a:schemeClr val="dk1"/>
                           </a:solidFill>
                           <a:effectLst/>
-                          <a:latin typeface="Arial" panose="020B0604020202020204" pitchFamily="34" charset="0"/>
+                          <a:latin typeface="Calibri" panose="020F0502020204030204" pitchFamily="34" charset="0"/>
                           <a:ea typeface="+mn-ea"/>
-                          <a:cs typeface="Arial" panose="020B0604020202020204" pitchFamily="34" charset="0"/>
+                          <a:cs typeface="Calibri" panose="020F0502020204030204" pitchFamily="34" charset="0"/>
                         </a:rPr>
                         <a:t>Similar-to-target altitude and velocity at boosters’ detachment  [30.3%]</a:t>
                       </a:r>
-                      <a:endParaRPr lang="it-IT" sz="2000" dirty="0">
-                        <a:latin typeface="Arial" panose="020B0604020202020204" pitchFamily="34" charset="0"/>
-                        <a:cs typeface="Arial" panose="020B0604020202020204" pitchFamily="34" charset="0"/>
+                      <a:endParaRPr lang="it-IT" sz="2400" dirty="0">
+                        <a:latin typeface="Calibri" panose="020F0502020204030204" pitchFamily="34" charset="0"/>
+                        <a:cs typeface="Calibri" panose="020F0502020204030204" pitchFamily="34" charset="0"/>
                       </a:endParaRPr>
                     </a:p>
                   </a:txBody>
@@ -53395,20 +53404,20 @@
                     <a:p>
                       <a:pPr algn="l"/>
                       <a:r>
-                        <a:rPr lang="en-GB" sz="2000" kern="1200" dirty="0">
+                        <a:rPr lang="en-GB" sz="2400" kern="1200" dirty="0">
                           <a:solidFill>
                             <a:schemeClr val="dk1"/>
                           </a:solidFill>
                           <a:effectLst/>
-                          <a:latin typeface="Arial" panose="020B0604020202020204" pitchFamily="34" charset="0"/>
+                          <a:latin typeface="Calibri" panose="020F0502020204030204" pitchFamily="34" charset="0"/>
                           <a:ea typeface="+mn-ea"/>
-                          <a:cs typeface="Arial" panose="020B0604020202020204" pitchFamily="34" charset="0"/>
+                          <a:cs typeface="Calibri" panose="020F0502020204030204" pitchFamily="34" charset="0"/>
                         </a:rPr>
                         <a:t>Full control of trajectory [24.2%]</a:t>
                       </a:r>
-                      <a:endParaRPr lang="it-IT" sz="2000" dirty="0">
-                        <a:latin typeface="Arial" panose="020B0604020202020204" pitchFamily="34" charset="0"/>
-                        <a:cs typeface="Arial" panose="020B0604020202020204" pitchFamily="34" charset="0"/>
+                      <a:endParaRPr lang="it-IT" sz="2400" dirty="0">
+                        <a:latin typeface="Calibri" panose="020F0502020204030204" pitchFamily="34" charset="0"/>
+                        <a:cs typeface="Calibri" panose="020F0502020204030204" pitchFamily="34" charset="0"/>
                       </a:endParaRPr>
                     </a:p>
                   </a:txBody>
@@ -53432,20 +53441,20 @@
                     <a:p>
                       <a:pPr algn="l"/>
                       <a:r>
-                        <a:rPr lang="en-GB" sz="2000" kern="1200" dirty="0">
+                        <a:rPr lang="en-GB" sz="2400" kern="1200" dirty="0">
                           <a:solidFill>
                             <a:schemeClr val="dk1"/>
                           </a:solidFill>
                           <a:effectLst/>
-                          <a:latin typeface="Arial" panose="020B0604020202020204" pitchFamily="34" charset="0"/>
+                          <a:latin typeface="Calibri" panose="020F0502020204030204" pitchFamily="34" charset="0"/>
                           <a:ea typeface="+mn-ea"/>
-                          <a:cs typeface="Arial" panose="020B0604020202020204" pitchFamily="34" charset="0"/>
+                          <a:cs typeface="Calibri" panose="020F0502020204030204" pitchFamily="34" charset="0"/>
                         </a:rPr>
                         <a:t>High precision attitude control  [21.2%]</a:t>
                       </a:r>
-                      <a:endParaRPr lang="it-IT" sz="2000" dirty="0">
-                        <a:latin typeface="Arial" panose="020B0604020202020204" pitchFamily="34" charset="0"/>
-                        <a:cs typeface="Arial" panose="020B0604020202020204" pitchFamily="34" charset="0"/>
+                      <a:endParaRPr lang="it-IT" sz="2400" dirty="0">
+                        <a:latin typeface="Calibri" panose="020F0502020204030204" pitchFamily="34" charset="0"/>
+                        <a:cs typeface="Calibri" panose="020F0502020204030204" pitchFamily="34" charset="0"/>
                       </a:endParaRPr>
                     </a:p>
                   </a:txBody>
@@ -53458,20 +53467,20 @@
                     <a:p>
                       <a:pPr algn="l"/>
                       <a:r>
-                        <a:rPr lang="en-GB" sz="2000" kern="1200" dirty="0">
+                        <a:rPr lang="en-GB" sz="2400" kern="1200" dirty="0">
                           <a:solidFill>
                             <a:schemeClr val="dk1"/>
                           </a:solidFill>
                           <a:effectLst/>
-                          <a:latin typeface="Arial" panose="020B0604020202020204" pitchFamily="34" charset="0"/>
+                          <a:latin typeface="Calibri" panose="020F0502020204030204" pitchFamily="34" charset="0"/>
                           <a:ea typeface="+mn-ea"/>
-                          <a:cs typeface="Arial" panose="020B0604020202020204" pitchFamily="34" charset="0"/>
+                          <a:cs typeface="Calibri" panose="020F0502020204030204" pitchFamily="34" charset="0"/>
                         </a:rPr>
                         <a:t>Lightweight system [6.1%]</a:t>
                       </a:r>
-                      <a:endParaRPr lang="it-IT" sz="2000" dirty="0">
-                        <a:latin typeface="Arial" panose="020B0604020202020204" pitchFamily="34" charset="0"/>
-                        <a:cs typeface="Arial" panose="020B0604020202020204" pitchFamily="34" charset="0"/>
+                      <a:endParaRPr lang="it-IT" sz="2400" dirty="0">
+                        <a:latin typeface="Calibri" panose="020F0502020204030204" pitchFamily="34" charset="0"/>
+                        <a:cs typeface="Calibri" panose="020F0502020204030204" pitchFamily="34" charset="0"/>
                       </a:endParaRPr>
                     </a:p>
                   </a:txBody>
@@ -53491,20 +53500,20 @@
                     <a:p>
                       <a:pPr algn="l"/>
                       <a:r>
-                        <a:rPr lang="en-GB" sz="2000" kern="1200" dirty="0">
+                        <a:rPr lang="en-GB" sz="2400" kern="1200" dirty="0">
                           <a:solidFill>
                             <a:schemeClr val="dk1"/>
                           </a:solidFill>
                           <a:effectLst/>
-                          <a:latin typeface="Arial" panose="020B0604020202020204" pitchFamily="34" charset="0"/>
+                          <a:latin typeface="Calibri" panose="020F0502020204030204" pitchFamily="34" charset="0"/>
                           <a:ea typeface="+mn-ea"/>
-                          <a:cs typeface="Arial" panose="020B0604020202020204" pitchFamily="34" charset="0"/>
+                          <a:cs typeface="Calibri" panose="020F0502020204030204" pitchFamily="34" charset="0"/>
                         </a:rPr>
                         <a:t>Cheap system [6.1%]</a:t>
                       </a:r>
-                      <a:endParaRPr lang="it-IT" sz="2000" dirty="0">
-                        <a:latin typeface="Arial" panose="020B0604020202020204" pitchFamily="34" charset="0"/>
-                        <a:cs typeface="Arial" panose="020B0604020202020204" pitchFamily="34" charset="0"/>
+                      <a:endParaRPr lang="it-IT" sz="2400" dirty="0">
+                        <a:latin typeface="Calibri" panose="020F0502020204030204" pitchFamily="34" charset="0"/>
+                        <a:cs typeface="Calibri" panose="020F0502020204030204" pitchFamily="34" charset="0"/>
                       </a:endParaRPr>
                     </a:p>
                   </a:txBody>
@@ -53517,20 +53526,20 @@
                     <a:p>
                       <a:pPr algn="l"/>
                       <a:r>
-                        <a:rPr lang="en-GB" sz="2000" kern="1200" dirty="0">
+                        <a:rPr lang="en-GB" sz="2400" kern="1200" dirty="0">
                           <a:solidFill>
                             <a:schemeClr val="dk1"/>
                           </a:solidFill>
                           <a:effectLst/>
-                          <a:latin typeface="Arial" panose="020B0604020202020204" pitchFamily="34" charset="0"/>
+                          <a:latin typeface="Calibri" panose="020F0502020204030204" pitchFamily="34" charset="0"/>
                           <a:ea typeface="+mn-ea"/>
-                          <a:cs typeface="Arial" panose="020B0604020202020204" pitchFamily="34" charset="0"/>
+                          <a:cs typeface="Calibri" panose="020F0502020204030204" pitchFamily="34" charset="0"/>
                         </a:rPr>
                         <a:t>Robustness to atmospheric disturbances  [12.1%]</a:t>
                       </a:r>
-                      <a:endParaRPr lang="it-IT" sz="2000" dirty="0">
-                        <a:latin typeface="Arial" panose="020B0604020202020204" pitchFamily="34" charset="0"/>
-                        <a:cs typeface="Arial" panose="020B0604020202020204" pitchFamily="34" charset="0"/>
+                      <a:endParaRPr lang="it-IT" sz="2400" dirty="0">
+                        <a:latin typeface="Calibri" panose="020F0502020204030204" pitchFamily="34" charset="0"/>
+                        <a:cs typeface="Calibri" panose="020F0502020204030204" pitchFamily="34" charset="0"/>
                       </a:endParaRPr>
                     </a:p>
                   </a:txBody>
@@ -53733,14 +53742,14 @@
           <p:nvPr>
             <p:extLst>
               <p:ext uri="{D42A27DB-BD31-4B8C-83A1-F6EECF244321}">
-                <p14:modId xmlns:p14="http://schemas.microsoft.com/office/powerpoint/2010/main" val="120902385"/>
+                <p14:modId xmlns:p14="http://schemas.microsoft.com/office/powerpoint/2010/main" val="2424579708"/>
               </p:ext>
             </p:extLst>
           </p:nvPr>
         </p:nvGraphicFramePr>
         <p:xfrm>
-          <a:off x="2123400" y="2179648"/>
-          <a:ext cx="7945200" cy="4001803"/>
+          <a:off x="1704000" y="2258069"/>
+          <a:ext cx="8784000" cy="4057381"/>
         </p:xfrm>
         <a:graphic>
           <a:graphicData uri="http://schemas.openxmlformats.org/drawingml/2006/diagram">
@@ -53750,10 +53759,10 @@
       </p:graphicFrame>
       <p:sp>
         <p:nvSpPr>
-          <p:cNvPr id="9" name="CasellaDiTesto 8">
+          <p:cNvPr id="7" name="CasellaDiTesto 6">
             <a:extLst>
               <a:ext uri="{FF2B5EF4-FFF2-40B4-BE49-F238E27FC236}">
-                <a16:creationId xmlns:a16="http://schemas.microsoft.com/office/drawing/2014/main" id="{F2CAC4D5-807E-43EC-9859-C7CB46B436EF}"/>
+                <a16:creationId xmlns:a16="http://schemas.microsoft.com/office/drawing/2014/main" id="{D67CE785-A782-402C-A07C-99C9595C5BC7}"/>
               </a:ext>
             </a:extLst>
           </p:cNvPr>
@@ -53762,8 +53771,8 @@
         </p:nvSpPr>
         <p:spPr>
           <a:xfrm>
-            <a:off x="2141794" y="948542"/>
-            <a:ext cx="7944675" cy="1231106"/>
+            <a:off x="1630119" y="1032679"/>
+            <a:ext cx="8931762" cy="1046440"/>
           </a:xfrm>
           <a:prstGeom prst="rect">
             <a:avLst/>
@@ -53771,17 +53780,24 @@
           <a:noFill/>
         </p:spPr>
         <p:txBody>
-          <a:bodyPr wrap="none" rtlCol="0">
+          <a:bodyPr wrap="square" rtlCol="0">
             <a:spAutoFit/>
           </a:bodyPr>
           <a:lstStyle/>
           <a:p>
             <a:pPr algn="ctr"/>
             <a:r>
-              <a:rPr lang="en-GB" sz="2800" dirty="0">
+              <a:rPr lang="en-US" sz="3200" b="1" dirty="0">
                 <a:solidFill>
                   <a:schemeClr val="bg1"/>
                 </a:solidFill>
+                <a:effectLst>
+                  <a:outerShdw blurRad="38100" dist="38100" dir="2700000" algn="tl">
+                    <a:srgbClr val="000000">
+                      <a:alpha val="43137"/>
+                    </a:srgbClr>
+                  </a:outerShdw>
+                </a:effectLst>
               </a:rPr>
               <a:t>Main Functional Requirements</a:t>
             </a:r>
@@ -53789,33 +53805,50 @@
           <a:p>
             <a:pPr algn="ctr"/>
             <a:r>
-              <a:rPr lang="en-GB" sz="2800" dirty="0">
+              <a:rPr lang="en-US" sz="3000" b="1" dirty="0">
                 <a:solidFill>
                   <a:schemeClr val="bg1"/>
                 </a:solidFill>
+                <a:effectLst>
+                  <a:outerShdw blurRad="38100" dist="38100" dir="2700000" algn="tl">
+                    <a:srgbClr val="000000">
+                      <a:alpha val="43137"/>
+                    </a:srgbClr>
+                  </a:outerShdw>
+                </a:effectLst>
               </a:rPr>
-              <a:t> [weight over 100%, Improvement Direction (</a:t>
+              <a:t>[weight over 100%, Improvement Direction (</a:t>
             </a:r>
             <a:r>
-              <a:rPr lang="en-GB" sz="2800" dirty="0">
+              <a:rPr lang="en-US" sz="2800" b="1" dirty="0">
                 <a:solidFill>
                   <a:schemeClr val="bg1"/>
                 </a:solidFill>
-                <a:sym typeface="Symbol" panose="05050102010706020507" pitchFamily="18" charset="2"/>
+                <a:effectLst>
+                  <a:outerShdw blurRad="38100" dist="38100" dir="2700000" algn="tl">
+                    <a:srgbClr val="000000">
+                      <a:alpha val="43137"/>
+                    </a:srgbClr>
+                  </a:outerShdw>
+                </a:effectLst>
               </a:rPr>
-              <a:t>,,)</a:t>
+              <a:t>↑, ↔, ↓</a:t>
             </a:r>
             <a:r>
-              <a:rPr lang="en-GB" sz="2800" dirty="0">
+              <a:rPr lang="en-US" sz="3000" b="1" dirty="0">
                 <a:solidFill>
                   <a:schemeClr val="bg1"/>
                 </a:solidFill>
+                <a:effectLst>
+                  <a:outerShdw blurRad="38100" dist="38100" dir="2700000" algn="tl">
+                    <a:srgbClr val="000000">
+                      <a:alpha val="43137"/>
+                    </a:srgbClr>
+                  </a:outerShdw>
+                </a:effectLst>
               </a:rPr>
-              <a:t>]</a:t>
+              <a:t>)]</a:t>
             </a:r>
-          </a:p>
-          <a:p>
-            <a:endParaRPr lang="it-IT" dirty="0"/>
           </a:p>
         </p:txBody>
       </p:sp>
@@ -54527,7 +54560,7 @@
         </p:nvSpPr>
         <p:spPr>
           <a:xfrm>
-            <a:off x="9448800" y="6384233"/>
+            <a:off x="9331200" y="6494400"/>
             <a:ext cx="2743200" cy="365125"/>
           </a:xfrm>
         </p:spPr>
@@ -54577,7 +54610,7 @@
         </p:blipFill>
         <p:spPr>
           <a:xfrm>
-            <a:off x="113693" y="1787517"/>
+            <a:off x="113693" y="1828825"/>
             <a:ext cx="5903179" cy="4428000"/>
           </a:xfrm>
           <a:prstGeom prst="rect">
@@ -54631,7 +54664,7 @@
         </p:blipFill>
         <p:spPr>
           <a:xfrm>
-            <a:off x="6174308" y="1787517"/>
+            <a:off x="6170400" y="1828063"/>
             <a:ext cx="5904000" cy="4428000"/>
           </a:xfrm>
           <a:prstGeom prst="rect">
@@ -54649,199 +54682,6 @@
           </a:effectLst>
         </p:spPr>
       </p:pic>
-      <mc:AlternateContent xmlns:mc="http://schemas.openxmlformats.org/markup-compatibility/2006">
-        <mc:Choice xmlns:a14="http://schemas.microsoft.com/office/drawing/2010/main" Requires="a14">
-          <p:sp>
-            <p:nvSpPr>
-              <p:cNvPr id="26" name="CasellaDiTesto 25"/>
-              <p:cNvSpPr txBox="1"/>
-              <p:nvPr/>
-            </p:nvSpPr>
-            <p:spPr>
-              <a:xfrm>
-                <a:off x="2141505" y="942750"/>
-                <a:ext cx="7908991" cy="712887"/>
-              </a:xfrm>
-              <a:prstGeom prst="rect">
-                <a:avLst/>
-              </a:prstGeom>
-              <a:noFill/>
-              <a:ln w="19050">
-                <a:noFill/>
-              </a:ln>
-            </p:spPr>
-            <p:style>
-              <a:lnRef idx="1">
-                <a:schemeClr val="dk1"/>
-              </a:lnRef>
-              <a:fillRef idx="2">
-                <a:schemeClr val="dk1"/>
-              </a:fillRef>
-              <a:effectRef idx="1">
-                <a:schemeClr val="dk1"/>
-              </a:effectRef>
-              <a:fontRef idx="minor">
-                <a:schemeClr val="dk1"/>
-              </a:fontRef>
-            </p:style>
-            <p:txBody>
-              <a:bodyPr wrap="square" rtlCol="0">
-                <a:spAutoFit/>
-              </a:bodyPr>
-              <a:lstStyle/>
-              <a:p>
-                <a:r>
-                  <a:rPr lang="en-GB" sz="2800" dirty="0">
-                    <a:solidFill>
-                      <a:schemeClr val="bg1"/>
-                    </a:solidFill>
-                  </a:rPr>
-                  <a:t>Cn(</a:t>
-                </a:r>
-                <a:r>
-                  <a:rPr lang="el-GR" sz="2800" dirty="0">
-                    <a:solidFill>
-                      <a:schemeClr val="bg1"/>
-                    </a:solidFill>
-                  </a:rPr>
-                  <a:t>α</a:t>
-                </a:r>
-                <a:r>
-                  <a:rPr lang="it-IT" sz="2800" dirty="0">
-                    <a:solidFill>
-                      <a:schemeClr val="bg1"/>
-                    </a:solidFill>
-                  </a:rPr>
-                  <a:t>) and </a:t>
-                </a:r>
-                <a14:m>
-                  <m:oMath xmlns:m="http://schemas.openxmlformats.org/officeDocument/2006/math">
-                    <m:f>
-                      <m:fPr>
-                        <m:ctrlPr>
-                          <a:rPr lang="it-IT" sz="2800" i="1">
-                            <a:solidFill>
-                              <a:schemeClr val="bg1"/>
-                            </a:solidFill>
-                            <a:latin typeface="Cambria Math" panose="02040503050406030204" pitchFamily="18" charset="0"/>
-                          </a:rPr>
-                        </m:ctrlPr>
-                      </m:fPr>
-                      <m:num>
-                        <m:r>
-                          <a:rPr lang="it-IT" sz="2800" i="1">
-                            <a:solidFill>
-                              <a:schemeClr val="bg1"/>
-                            </a:solidFill>
-                            <a:latin typeface="Cambria Math" panose="02040503050406030204" pitchFamily="18" charset="0"/>
-                          </a:rPr>
-                          <m:t>𝑑𝐶𝑛</m:t>
-                        </m:r>
-                      </m:num>
-                      <m:den>
-                        <m:r>
-                          <a:rPr lang="it-IT" sz="2800" i="1">
-                            <a:solidFill>
-                              <a:schemeClr val="bg1"/>
-                            </a:solidFill>
-                            <a:latin typeface="Cambria Math" panose="02040503050406030204" pitchFamily="18" charset="0"/>
-                          </a:rPr>
-                          <m:t>𝑑</m:t>
-                        </m:r>
-                        <m:r>
-                          <m:rPr>
-                            <m:sty m:val="p"/>
-                          </m:rPr>
-                          <a:rPr lang="el-GR" sz="2800" i="1">
-                            <a:solidFill>
-                              <a:schemeClr val="bg1"/>
-                            </a:solidFill>
-                            <a:latin typeface="Cambria Math" panose="02040503050406030204" pitchFamily="18" charset="0"/>
-                          </a:rPr>
-                          <m:t>α</m:t>
-                        </m:r>
-                      </m:den>
-                    </m:f>
-                  </m:oMath>
-                </a14:m>
-                <a:r>
-                  <a:rPr lang="en-GB" sz="2800" dirty="0">
-                    <a:solidFill>
-                      <a:schemeClr val="bg1"/>
-                    </a:solidFill>
-                  </a:rPr>
-                  <a:t>(</a:t>
-                </a:r>
-                <a:r>
-                  <a:rPr lang="el-GR" sz="2800" dirty="0">
-                    <a:solidFill>
-                      <a:schemeClr val="bg1"/>
-                    </a:solidFill>
-                  </a:rPr>
-                  <a:t>α</a:t>
-                </a:r>
-                <a:r>
-                  <a:rPr lang="it-IT" sz="2800" dirty="0">
-                    <a:solidFill>
-                      <a:schemeClr val="bg1"/>
-                    </a:solidFill>
-                  </a:rPr>
-                  <a:t>)</a:t>
-                </a:r>
-                <a:r>
-                  <a:rPr lang="en-GB" sz="2800" dirty="0">
-                    <a:solidFill>
-                      <a:schemeClr val="bg1"/>
-                    </a:solidFill>
-                  </a:rPr>
-                  <a:t> aerodynamics coefficient evaluation</a:t>
-                </a:r>
-              </a:p>
-            </p:txBody>
-          </p:sp>
-        </mc:Choice>
-        <mc:Fallback>
-          <p:sp>
-            <p:nvSpPr>
-              <p:cNvPr id="26" name="CasellaDiTesto 25"/>
-              <p:cNvSpPr txBox="1">
-                <a:spLocks noRot="1" noChangeAspect="1" noMove="1" noResize="1" noEditPoints="1" noAdjustHandles="1" noChangeArrowheads="1" noChangeShapeType="1" noTextEdit="1"/>
-              </p:cNvSpPr>
-              <p:nvPr/>
-            </p:nvSpPr>
-            <p:spPr>
-              <a:xfrm>
-                <a:off x="2141505" y="942750"/>
-                <a:ext cx="7908991" cy="712887"/>
-              </a:xfrm>
-              <a:prstGeom prst="rect">
-                <a:avLst/>
-              </a:prstGeom>
-              <a:blipFill>
-                <a:blip r:embed="rId5"/>
-                <a:stretch>
-                  <a:fillRect l="-1541" r="-924" b="-11111"/>
-                </a:stretch>
-              </a:blipFill>
-              <a:ln w="19050">
-                <a:noFill/>
-              </a:ln>
-            </p:spPr>
-            <p:txBody>
-              <a:bodyPr/>
-              <a:lstStyle/>
-              <a:p>
-                <a:r>
-                  <a:rPr lang="it-IT">
-                    <a:noFill/>
-                  </a:rPr>
-                  <a:t> </a:t>
-                </a:r>
-              </a:p>
-            </p:txBody>
-          </p:sp>
-        </mc:Fallback>
-      </mc:AlternateContent>
       <p:graphicFrame>
         <p:nvGraphicFramePr>
           <p:cNvPr id="14" name="Diagramma 13">
@@ -54866,10 +54706,131 @@
         </p:xfrm>
         <a:graphic>
           <a:graphicData uri="http://schemas.openxmlformats.org/drawingml/2006/diagram">
-            <dgm:relIds xmlns:dgm="http://schemas.openxmlformats.org/drawingml/2006/diagram" xmlns:r="http://schemas.openxmlformats.org/officeDocument/2006/relationships" r:dm="rId6" r:lo="rId7" r:qs="rId8" r:cs="rId9"/>
+            <dgm:relIds xmlns:dgm="http://schemas.openxmlformats.org/drawingml/2006/diagram" xmlns:r="http://schemas.openxmlformats.org/officeDocument/2006/relationships" r:dm="rId5" r:lo="rId6" r:qs="rId7" r:cs="rId8"/>
           </a:graphicData>
         </a:graphic>
       </p:graphicFrame>
+      <p:sp>
+        <p:nvSpPr>
+          <p:cNvPr id="9" name="CasellaDiTesto 8">
+            <a:extLst>
+              <a:ext uri="{FF2B5EF4-FFF2-40B4-BE49-F238E27FC236}">
+                <a16:creationId xmlns:a16="http://schemas.microsoft.com/office/drawing/2014/main" id="{E9E954CC-AA61-4207-B464-530F3E295F26}"/>
+              </a:ext>
+            </a:extLst>
+          </p:cNvPr>
+          <p:cNvSpPr txBox="1"/>
+          <p:nvPr/>
+        </p:nvSpPr>
+        <p:spPr>
+          <a:xfrm>
+            <a:off x="1115158" y="1008000"/>
+            <a:ext cx="9961684" cy="584775"/>
+          </a:xfrm>
+          <a:prstGeom prst="rect">
+            <a:avLst/>
+          </a:prstGeom>
+          <a:noFill/>
+        </p:spPr>
+        <p:txBody>
+          <a:bodyPr wrap="square" rtlCol="0">
+            <a:spAutoFit/>
+          </a:bodyPr>
+          <a:lstStyle/>
+          <a:p>
+            <a:r>
+              <a:rPr lang="it-IT" sz="3200" b="1" dirty="0" err="1">
+                <a:solidFill>
+                  <a:schemeClr val="bg1"/>
+                </a:solidFill>
+                <a:effectLst>
+                  <a:outerShdw blurRad="38100" dist="38100" dir="2700000" algn="tl">
+                    <a:srgbClr val="000000">
+                      <a:alpha val="43137"/>
+                    </a:srgbClr>
+                  </a:outerShdw>
+                </a:effectLst>
+              </a:rPr>
+              <a:t>Cn</a:t>
+            </a:r>
+            <a:r>
+              <a:rPr lang="it-IT" sz="3200" b="1" dirty="0">
+                <a:solidFill>
+                  <a:schemeClr val="bg1"/>
+                </a:solidFill>
+                <a:effectLst>
+                  <a:outerShdw blurRad="38100" dist="38100" dir="2700000" algn="tl">
+                    <a:srgbClr val="000000">
+                      <a:alpha val="43137"/>
+                    </a:srgbClr>
+                  </a:outerShdw>
+                </a:effectLst>
+              </a:rPr>
+              <a:t>(</a:t>
+            </a:r>
+            <a:r>
+              <a:rPr lang="el-GR" sz="3200" b="1" dirty="0">
+                <a:solidFill>
+                  <a:schemeClr val="bg1"/>
+                </a:solidFill>
+                <a:effectLst>
+                  <a:outerShdw blurRad="38100" dist="38100" dir="2700000" algn="tl">
+                    <a:srgbClr val="000000">
+                      <a:alpha val="43137"/>
+                    </a:srgbClr>
+                  </a:outerShdw>
+                </a:effectLst>
+              </a:rPr>
+              <a:t>α) </a:t>
+            </a:r>
+            <a:r>
+              <a:rPr lang="it-IT" sz="3200" b="1" dirty="0">
+                <a:solidFill>
+                  <a:schemeClr val="bg1"/>
+                </a:solidFill>
+                <a:effectLst>
+                  <a:outerShdw blurRad="38100" dist="38100" dir="2700000" algn="tl">
+                    <a:srgbClr val="000000">
+                      <a:alpha val="43137"/>
+                    </a:srgbClr>
+                  </a:outerShdw>
+                </a:effectLst>
+              </a:rPr>
+              <a:t>and 𝑑𝐶𝑛/𝑑</a:t>
+            </a:r>
+            <a:r>
+              <a:rPr lang="el-GR" sz="3200" b="1" dirty="0">
+                <a:solidFill>
+                  <a:schemeClr val="bg1"/>
+                </a:solidFill>
+                <a:effectLst>
+                  <a:outerShdw blurRad="38100" dist="38100" dir="2700000" algn="tl">
+                    <a:srgbClr val="000000">
+                      <a:alpha val="43137"/>
+                    </a:srgbClr>
+                  </a:outerShdw>
+                </a:effectLst>
+              </a:rPr>
+              <a:t>α(α) </a:t>
+            </a:r>
+            <a:r>
+              <a:rPr lang="en-GB" sz="3200" b="1" dirty="0">
+                <a:solidFill>
+                  <a:schemeClr val="bg1"/>
+                </a:solidFill>
+                <a:effectLst>
+                  <a:outerShdw blurRad="38100" dist="38100" dir="2700000" algn="tl">
+                    <a:srgbClr val="000000">
+                      <a:alpha val="43137"/>
+                    </a:srgbClr>
+                  </a:outerShdw>
+                </a:effectLst>
+              </a:rPr>
+              <a:t>aerodynamics coefficient evaluation</a:t>
+            </a:r>
+          </a:p>
+        </p:txBody>
+      </p:sp>
     </p:spTree>
     <p:extLst>
       <p:ext uri="{BB962C8B-B14F-4D97-AF65-F5344CB8AC3E}">
@@ -54928,8 +54889,8 @@
         </p:nvCxnSpPr>
         <p:spPr>
           <a:xfrm flipH="1">
-            <a:off x="7496666" y="1371600"/>
-            <a:ext cx="1834903" cy="0"/>
+            <a:off x="7896000" y="1371600"/>
+            <a:ext cx="720000" cy="0"/>
           </a:xfrm>
           <a:prstGeom prst="line">
             <a:avLst/>
@@ -54970,9 +54931,9 @@
           <p:nvPr/>
         </p:nvCxnSpPr>
         <p:spPr>
-          <a:xfrm flipH="1">
-            <a:off x="7266690" y="5890886"/>
-            <a:ext cx="1600530" cy="0"/>
+          <a:xfrm flipH="1" flipV="1">
+            <a:off x="7896000" y="5890846"/>
+            <a:ext cx="720000" cy="40"/>
           </a:xfrm>
           <a:prstGeom prst="line">
             <a:avLst/>
@@ -55130,7 +55091,7 @@
         </p:nvCxnSpPr>
         <p:spPr>
           <a:xfrm flipV="1">
-            <a:off x="8199875" y="1371600"/>
+            <a:off x="8256000" y="1371600"/>
             <a:ext cx="0" cy="1304058"/>
           </a:xfrm>
           <a:prstGeom prst="straightConnector1">
@@ -55175,7 +55136,7 @@
         </p:nvCxnSpPr>
         <p:spPr>
           <a:xfrm flipV="1">
-            <a:off x="7483325" y="4413738"/>
+            <a:off x="8256000" y="4413698"/>
             <a:ext cx="0" cy="1477148"/>
           </a:xfrm>
           <a:prstGeom prst="straightConnector1">
@@ -55220,8 +55181,8 @@
             </p:nvSpPr>
             <p:spPr>
               <a:xfrm>
-                <a:off x="6299633" y="1847860"/>
-                <a:ext cx="2057065" cy="390748"/>
+                <a:off x="6672000" y="1824032"/>
+                <a:ext cx="1584000" cy="390748"/>
               </a:xfrm>
               <a:prstGeom prst="rect">
                 <a:avLst/>
@@ -55318,8 +55279,8 @@
             </p:nvSpPr>
             <p:spPr>
               <a:xfrm>
-                <a:off x="6299633" y="1847860"/>
-                <a:ext cx="2057065" cy="390748"/>
+                <a:off x="6672000" y="1824032"/>
+                <a:ext cx="1584000" cy="390748"/>
               </a:xfrm>
               <a:prstGeom prst="rect">
                 <a:avLst/>
@@ -55362,7 +55323,7 @@
             </p:nvSpPr>
             <p:spPr>
               <a:xfrm>
-                <a:off x="7443361" y="4800542"/>
+                <a:off x="7547662" y="4870941"/>
                 <a:ext cx="708338" cy="391902"/>
               </a:xfrm>
               <a:prstGeom prst="rect">
@@ -55451,7 +55412,7 @@
             </p:nvSpPr>
             <p:spPr>
               <a:xfrm>
-                <a:off x="7443361" y="4800542"/>
+                <a:off x="7547662" y="4870941"/>
                 <a:ext cx="708338" cy="391902"/>
               </a:xfrm>
               <a:prstGeom prst="rect">
@@ -55460,210 +55421,9 @@
               <a:blipFill>
                 <a:blip r:embed="rId9"/>
                 <a:stretch>
-                  <a:fillRect b="-4615"/>
+                  <a:fillRect b="-6250"/>
                 </a:stretch>
               </a:blipFill>
-            </p:spPr>
-            <p:txBody>
-              <a:bodyPr/>
-              <a:lstStyle/>
-              <a:p>
-                <a:r>
-                  <a:rPr lang="it-IT">
-                    <a:noFill/>
-                  </a:rPr>
-                  <a:t> </a:t>
-                </a:r>
-              </a:p>
-            </p:txBody>
-          </p:sp>
-        </mc:Fallback>
-      </mc:AlternateContent>
-      <mc:AlternateContent xmlns:mc="http://schemas.openxmlformats.org/markup-compatibility/2006">
-        <mc:Choice xmlns:a14="http://schemas.microsoft.com/office/drawing/2010/main" Requires="a14">
-          <p:sp>
-            <p:nvSpPr>
-              <p:cNvPr id="28" name="CasellaDiTesto 27">
-                <a:extLst>
-                  <a:ext uri="{FF2B5EF4-FFF2-40B4-BE49-F238E27FC236}">
-                    <a16:creationId xmlns:a16="http://schemas.microsoft.com/office/drawing/2014/main" id="{C1FE3135-F943-431F-B0EB-8BC1584494FD}"/>
-                  </a:ext>
-                </a:extLst>
-              </p:cNvPr>
-              <p:cNvSpPr txBox="1"/>
-              <p:nvPr/>
-            </p:nvSpPr>
-            <p:spPr>
-              <a:xfrm>
-                <a:off x="738045" y="1115189"/>
-                <a:ext cx="5471999" cy="490199"/>
-              </a:xfrm>
-              <a:prstGeom prst="rect">
-                <a:avLst/>
-              </a:prstGeom>
-              <a:noFill/>
-              <a:ln w="19050">
-                <a:noFill/>
-              </a:ln>
-            </p:spPr>
-            <p:style>
-              <a:lnRef idx="1">
-                <a:schemeClr val="dk1"/>
-              </a:lnRef>
-              <a:fillRef idx="2">
-                <a:schemeClr val="dk1"/>
-              </a:fillRef>
-              <a:effectRef idx="1">
-                <a:schemeClr val="dk1"/>
-              </a:effectRef>
-              <a:fontRef idx="minor">
-                <a:schemeClr val="dk1"/>
-              </a:fontRef>
-            </p:style>
-            <p:txBody>
-              <a:bodyPr wrap="square" rtlCol="0">
-                <a:spAutoFit/>
-              </a:bodyPr>
-              <a:lstStyle/>
-              <a:p>
-                <a:pPr algn="ctr"/>
-                <a14:m>
-                  <m:oMath xmlns:m="http://schemas.openxmlformats.org/officeDocument/2006/math">
-                    <m:sSub>
-                      <m:sSubPr>
-                        <m:ctrlPr>
-                          <a:rPr lang="en-GB" sz="2400" i="1" smtClean="0">
-                            <a:solidFill>
-                              <a:schemeClr val="bg1"/>
-                            </a:solidFill>
-                            <a:latin typeface="Cambria Math" panose="02040503050406030204" pitchFamily="18" charset="0"/>
-                          </a:rPr>
-                        </m:ctrlPr>
-                      </m:sSubPr>
-                      <m:e>
-                        <m:r>
-                          <a:rPr lang="it-IT" sz="2400" b="0" i="1" smtClean="0">
-                            <a:solidFill>
-                              <a:schemeClr val="bg1"/>
-                            </a:solidFill>
-                            <a:latin typeface="Cambria Math" panose="02040503050406030204" pitchFamily="18" charset="0"/>
-                          </a:rPr>
-                          <m:t>𝐶</m:t>
-                        </m:r>
-                      </m:e>
-                      <m:sub>
-                        <m:r>
-                          <a:rPr lang="it-IT" sz="2400" b="0" i="1" smtClean="0">
-                            <a:solidFill>
-                              <a:schemeClr val="bg1"/>
-                            </a:solidFill>
-                            <a:latin typeface="Cambria Math" panose="02040503050406030204" pitchFamily="18" charset="0"/>
-                          </a:rPr>
-                          <m:t>𝑑</m:t>
-                        </m:r>
-                        <m:r>
-                          <a:rPr lang="it-IT" sz="2400" b="0" i="1" smtClean="0">
-                            <a:solidFill>
-                              <a:schemeClr val="bg1"/>
-                            </a:solidFill>
-                            <a:latin typeface="Cambria Math" panose="02040503050406030204" pitchFamily="18" charset="0"/>
-                          </a:rPr>
-                          <m:t>0</m:t>
-                        </m:r>
-                      </m:sub>
-                    </m:sSub>
-                  </m:oMath>
-                </a14:m>
-                <a:r>
-                  <a:rPr lang="en-GB" sz="2400" dirty="0">
-                    <a:solidFill>
-                      <a:schemeClr val="bg1"/>
-                    </a:solidFill>
-                  </a:rPr>
-                  <a:t> and </a:t>
-                </a:r>
-                <a14:m>
-                  <m:oMath xmlns:m="http://schemas.openxmlformats.org/officeDocument/2006/math">
-                    <m:sSub>
-                      <m:sSubPr>
-                        <m:ctrlPr>
-                          <a:rPr lang="en-GB" sz="2400" i="1" smtClean="0">
-                            <a:solidFill>
-                              <a:schemeClr val="bg1"/>
-                            </a:solidFill>
-                            <a:latin typeface="Cambria Math" panose="02040503050406030204" pitchFamily="18" charset="0"/>
-                          </a:rPr>
-                        </m:ctrlPr>
-                      </m:sSubPr>
-                      <m:e>
-                        <m:r>
-                          <a:rPr lang="it-IT" sz="2400" b="0" i="1" smtClean="0">
-                            <a:solidFill>
-                              <a:schemeClr val="bg1"/>
-                            </a:solidFill>
-                            <a:latin typeface="Cambria Math" panose="02040503050406030204" pitchFamily="18" charset="0"/>
-                          </a:rPr>
-                          <m:t>𝑥</m:t>
-                        </m:r>
-                      </m:e>
-                      <m:sub>
-                        <m:r>
-                          <a:rPr lang="it-IT" sz="2400" b="0" i="1" smtClean="0">
-                            <a:solidFill>
-                              <a:schemeClr val="bg1"/>
-                            </a:solidFill>
-                            <a:latin typeface="Cambria Math" panose="02040503050406030204" pitchFamily="18" charset="0"/>
-                          </a:rPr>
-                          <m:t>𝑐𝑝</m:t>
-                        </m:r>
-                      </m:sub>
-                    </m:sSub>
-                  </m:oMath>
-                </a14:m>
-                <a:r>
-                  <a:rPr lang="en-GB" sz="2400" dirty="0">
-                    <a:solidFill>
-                      <a:schemeClr val="bg1"/>
-                    </a:solidFill>
-                  </a:rPr>
-                  <a:t> of the launcher evaluation</a:t>
-                </a:r>
-              </a:p>
-            </p:txBody>
-          </p:sp>
-        </mc:Choice>
-        <mc:Fallback>
-          <p:sp>
-            <p:nvSpPr>
-              <p:cNvPr id="28" name="CasellaDiTesto 27">
-                <a:extLst>
-                  <a:ext uri="{FF2B5EF4-FFF2-40B4-BE49-F238E27FC236}">
-                    <a16:creationId xmlns:a16="http://schemas.microsoft.com/office/drawing/2014/main" id="{C1FE3135-F943-431F-B0EB-8BC1584494FD}"/>
-                  </a:ext>
-                </a:extLst>
-              </p:cNvPr>
-              <p:cNvSpPr txBox="1">
-                <a:spLocks noRot="1" noChangeAspect="1" noMove="1" noResize="1" noEditPoints="1" noAdjustHandles="1" noChangeArrowheads="1" noChangeShapeType="1" noTextEdit="1"/>
-              </p:cNvSpPr>
-              <p:nvPr/>
-            </p:nvSpPr>
-            <p:spPr>
-              <a:xfrm>
-                <a:off x="738045" y="1115189"/>
-                <a:ext cx="5471999" cy="490199"/>
-              </a:xfrm>
-              <a:prstGeom prst="rect">
-                <a:avLst/>
-              </a:prstGeom>
-              <a:blipFill>
-                <a:blip r:embed="rId10"/>
-                <a:stretch>
-                  <a:fillRect t="-8750" b="-23750"/>
-                </a:stretch>
-              </a:blipFill>
-              <a:ln w="19050">
-                <a:noFill/>
-              </a:ln>
             </p:spPr>
             <p:txBody>
               <a:bodyPr/>
@@ -55695,7 +55455,7 @@
           <p:nvPr/>
         </p:nvPicPr>
         <p:blipFill>
-          <a:blip r:embed="rId11">
+          <a:blip r:embed="rId10">
             <a:extLst>
               <a:ext uri="{28A0092B-C50C-407E-A947-70E740481C1C}">
                 <a14:useLocalDpi xmlns:a14="http://schemas.microsoft.com/office/drawing/2010/main" val="0"/>
@@ -55714,6 +55474,9 @@
           <a:prstGeom prst="rect">
             <a:avLst/>
           </a:prstGeom>
+          <a:solidFill>
+            <a:schemeClr val="tx1"/>
+          </a:solidFill>
           <a:ln w="19050">
             <a:noFill/>
           </a:ln>
@@ -55741,7 +55504,7 @@
           <p:nvPr/>
         </p:nvPicPr>
         <p:blipFill>
-          <a:blip r:embed="rId12">
+          <a:blip r:embed="rId11">
             <a:extLst>
               <a:ext uri="{28A0092B-C50C-407E-A947-70E740481C1C}">
                 <a14:useLocalDpi xmlns:a14="http://schemas.microsoft.com/office/drawing/2010/main" val="0"/>
@@ -55754,8 +55517,8 @@
         </p:blipFill>
         <p:spPr>
           <a:xfrm>
-            <a:off x="738045" y="1828255"/>
-            <a:ext cx="5471999" cy="4104000"/>
+            <a:off x="545906" y="1847860"/>
+            <a:ext cx="5759999" cy="4320000"/>
           </a:xfrm>
           <a:prstGeom prst="rect">
             <a:avLst/>
@@ -55772,6 +55535,168 @@
           </a:effectLst>
         </p:spPr>
       </p:pic>
+      <p:sp>
+        <p:nvSpPr>
+          <p:cNvPr id="2" name="Somma 1">
+            <a:extLst>
+              <a:ext uri="{FF2B5EF4-FFF2-40B4-BE49-F238E27FC236}">
+                <a16:creationId xmlns:a16="http://schemas.microsoft.com/office/drawing/2014/main" id="{E2759C5D-0336-4E6C-93CC-9FD1A33BB86A}"/>
+              </a:ext>
+            </a:extLst>
+          </p:cNvPr>
+          <p:cNvSpPr/>
+          <p:nvPr/>
+        </p:nvSpPr>
+        <p:spPr>
+          <a:xfrm>
+            <a:off x="9151501" y="2549658"/>
+            <a:ext cx="252000" cy="252000"/>
+          </a:xfrm>
+          <a:prstGeom prst="flowChartSummingJunction">
+            <a:avLst/>
+          </a:prstGeom>
+          <a:noFill/>
+          <a:ln>
+            <a:solidFill>
+              <a:schemeClr val="tx1"/>
+            </a:solidFill>
+          </a:ln>
+        </p:spPr>
+        <p:style>
+          <a:lnRef idx="2">
+            <a:schemeClr val="accent1">
+              <a:shade val="50000"/>
+            </a:schemeClr>
+          </a:lnRef>
+          <a:fillRef idx="1">
+            <a:schemeClr val="accent1"/>
+          </a:fillRef>
+          <a:effectRef idx="0">
+            <a:schemeClr val="accent1"/>
+          </a:effectRef>
+          <a:fontRef idx="minor">
+            <a:schemeClr val="lt1"/>
+          </a:fontRef>
+        </p:style>
+        <p:txBody>
+          <a:bodyPr rtlCol="0" anchor="ctr"/>
+          <a:lstStyle/>
+          <a:p>
+            <a:pPr algn="ctr"/>
+            <a:endParaRPr lang="it-IT"/>
+          </a:p>
+        </p:txBody>
+      </p:sp>
+      <p:sp>
+        <p:nvSpPr>
+          <p:cNvPr id="23" name="Somma 22">
+            <a:extLst>
+              <a:ext uri="{FF2B5EF4-FFF2-40B4-BE49-F238E27FC236}">
+                <a16:creationId xmlns:a16="http://schemas.microsoft.com/office/drawing/2014/main" id="{EEB9DCFA-23C2-4DA5-856A-29D0AB174BF4}"/>
+              </a:ext>
+            </a:extLst>
+          </p:cNvPr>
+          <p:cNvSpPr/>
+          <p:nvPr/>
+        </p:nvSpPr>
+        <p:spPr>
+          <a:xfrm>
+            <a:off x="10942204" y="2549658"/>
+            <a:ext cx="252000" cy="252000"/>
+          </a:xfrm>
+          <a:prstGeom prst="flowChartSummingJunction">
+            <a:avLst/>
+          </a:prstGeom>
+          <a:noFill/>
+          <a:ln>
+            <a:solidFill>
+              <a:schemeClr val="tx1"/>
+            </a:solidFill>
+          </a:ln>
+        </p:spPr>
+        <p:style>
+          <a:lnRef idx="2">
+            <a:schemeClr val="accent1">
+              <a:shade val="50000"/>
+            </a:schemeClr>
+          </a:lnRef>
+          <a:fillRef idx="1">
+            <a:schemeClr val="accent1"/>
+          </a:fillRef>
+          <a:effectRef idx="0">
+            <a:schemeClr val="accent1"/>
+          </a:effectRef>
+          <a:fontRef idx="minor">
+            <a:schemeClr val="lt1"/>
+          </a:fontRef>
+        </p:style>
+        <p:txBody>
+          <a:bodyPr rtlCol="0" anchor="ctr"/>
+          <a:lstStyle/>
+          <a:p>
+            <a:pPr algn="ctr"/>
+            <a:endParaRPr lang="it-IT"/>
+          </a:p>
+        </p:txBody>
+      </p:sp>
+      <p:sp>
+        <p:nvSpPr>
+          <p:cNvPr id="25" name="CasellaDiTesto 24">
+            <a:extLst>
+              <a:ext uri="{FF2B5EF4-FFF2-40B4-BE49-F238E27FC236}">
+                <a16:creationId xmlns:a16="http://schemas.microsoft.com/office/drawing/2014/main" id="{02822D95-8B6C-4A85-8F04-44EB01D0689F}"/>
+              </a:ext>
+            </a:extLst>
+          </p:cNvPr>
+          <p:cNvSpPr txBox="1"/>
+          <p:nvPr/>
+        </p:nvSpPr>
+        <p:spPr>
+          <a:xfrm>
+            <a:off x="241227" y="1008000"/>
+            <a:ext cx="6369355" cy="523220"/>
+          </a:xfrm>
+          <a:prstGeom prst="rect">
+            <a:avLst/>
+          </a:prstGeom>
+          <a:noFill/>
+        </p:spPr>
+        <p:txBody>
+          <a:bodyPr wrap="square" rtlCol="0">
+            <a:spAutoFit/>
+          </a:bodyPr>
+          <a:lstStyle/>
+          <a:p>
+            <a:r>
+              <a:rPr lang="en-US" sz="2800" b="1" dirty="0">
+                <a:solidFill>
+                  <a:schemeClr val="bg1"/>
+                </a:solidFill>
+                <a:effectLst>
+                  <a:outerShdw blurRad="38100" dist="38100" dir="2700000" algn="tl">
+                    <a:srgbClr val="000000">
+                      <a:alpha val="43137"/>
+                    </a:srgbClr>
+                  </a:outerShdw>
+                </a:effectLst>
+              </a:rPr>
+              <a:t>𝐶_𝑑0 and 𝑥_𝑐𝑝 of the launcher evaluation</a:t>
+            </a:r>
+            <a:endParaRPr lang="it-IT" sz="2800" b="1" dirty="0">
+              <a:solidFill>
+                <a:schemeClr val="bg1"/>
+              </a:solidFill>
+              <a:effectLst>
+                <a:outerShdw blurRad="38100" dist="38100" dir="2700000" algn="tl">
+                  <a:srgbClr val="000000">
+                    <a:alpha val="43137"/>
+                  </a:srgbClr>
+                </a:outerShdw>
+              </a:effectLst>
+            </a:endParaRPr>
+          </a:p>
+        </p:txBody>
+      </p:sp>
     </p:spTree>
     <p:extLst>
       <p:ext uri="{BB962C8B-B14F-4D97-AF65-F5344CB8AC3E}">
@@ -55961,8 +55886,8 @@
         </p:blipFill>
         <p:spPr bwMode="auto">
           <a:xfrm>
-            <a:off x="259408" y="1648665"/>
-            <a:ext cx="5518053" cy="4140000"/>
+            <a:off x="237600" y="1851195"/>
+            <a:ext cx="5724000" cy="4294518"/>
           </a:xfrm>
           <a:prstGeom prst="rect">
             <a:avLst/>
@@ -56026,8 +55951,8 @@
         </p:blipFill>
         <p:spPr bwMode="auto">
           <a:xfrm>
-            <a:off x="6431414" y="1648665"/>
-            <a:ext cx="5517325" cy="4140000"/>
+            <a:off x="6214800" y="1850650"/>
+            <a:ext cx="5724000" cy="4295081"/>
           </a:xfrm>
           <a:prstGeom prst="rect">
             <a:avLst/>
@@ -56064,10 +55989,10 @@
       </p:pic>
       <p:sp>
         <p:nvSpPr>
-          <p:cNvPr id="8" name="CasellaDiTesto 7">
+          <p:cNvPr id="9" name="CasellaDiTesto 8">
             <a:extLst>
               <a:ext uri="{FF2B5EF4-FFF2-40B4-BE49-F238E27FC236}">
-                <a16:creationId xmlns:a16="http://schemas.microsoft.com/office/drawing/2014/main" id="{E2231425-F1F2-4D0E-B130-54C12A2043A7}"/>
+                <a16:creationId xmlns:a16="http://schemas.microsoft.com/office/drawing/2014/main" id="{06E8CB42-3F65-49A2-86F3-958402CD838A}"/>
               </a:ext>
             </a:extLst>
           </p:cNvPr>
@@ -56076,86 +56001,164 @@
         </p:nvSpPr>
         <p:spPr>
           <a:xfrm>
-            <a:off x="259409" y="944455"/>
-            <a:ext cx="5518052" cy="461665"/>
+            <a:off x="57600" y="1008000"/>
+            <a:ext cx="6084000" cy="892552"/>
           </a:xfrm>
           <a:prstGeom prst="rect">
             <a:avLst/>
           </a:prstGeom>
           <a:noFill/>
-          <a:ln w="19050">
-            <a:noFill/>
-          </a:ln>
         </p:spPr>
-        <p:style>
-          <a:lnRef idx="2">
-            <a:schemeClr val="dk1"/>
-          </a:lnRef>
-          <a:fillRef idx="1">
-            <a:schemeClr val="lt1"/>
-          </a:fillRef>
-          <a:effectRef idx="0">
-            <a:schemeClr val="dk1"/>
-          </a:effectRef>
-          <a:fontRef idx="minor">
-            <a:schemeClr val="dk1"/>
-          </a:fontRef>
-        </p:style>
         <p:txBody>
           <a:bodyPr wrap="square" rtlCol="0">
             <a:spAutoFit/>
           </a:bodyPr>
           <a:lstStyle/>
           <a:p>
-            <a:pPr algn="ctr"/>
+            <a:pPr lvl="0"/>
             <a:r>
-              <a:rPr lang="en-GB" sz="2400" dirty="0">
+              <a:rPr lang="it-IT" sz="2600" b="1" dirty="0">
                 <a:solidFill>
-                  <a:schemeClr val="bg1"/>
+                  <a:prstClr val="white"/>
                 </a:solidFill>
+                <a:effectLst>
+                  <a:outerShdw blurRad="38100" dist="38100" dir="2700000" algn="tl">
+                    <a:srgbClr val="000000">
+                      <a:alpha val="43137"/>
+                    </a:srgbClr>
+                  </a:outerShdw>
+                </a:effectLst>
               </a:rPr>
               <a:t>Real data </a:t>
             </a:r>
             <a:r>
-              <a:rPr lang="en-GB" sz="2400" dirty="0">
+              <a:rPr lang="it-IT" sz="2600" b="1" dirty="0">
                 <a:solidFill>
-                  <a:schemeClr val="bg1"/>
+                  <a:prstClr val="white"/>
                 </a:solidFill>
+                <a:effectLst>
+                  <a:outerShdw blurRad="38100" dist="38100" dir="2700000" algn="tl">
+                    <a:srgbClr val="000000">
+                      <a:alpha val="43137"/>
+                    </a:srgbClr>
+                  </a:outerShdw>
+                </a:effectLst>
                 <a:sym typeface="Wingdings" panose="05000000000000000000" pitchFamily="2" charset="2"/>
               </a:rPr>
               <a:t></a:t>
             </a:r>
             <a:r>
-              <a:rPr lang="en-GB" sz="2400" dirty="0">
+              <a:rPr lang="it-IT" sz="2600" b="1" dirty="0">
                 <a:solidFill>
-                  <a:schemeClr val="bg1"/>
+                  <a:prstClr val="white"/>
                 </a:solidFill>
+                <a:effectLst>
+                  <a:outerShdw blurRad="38100" dist="38100" dir="2700000" algn="tl">
+                    <a:srgbClr val="000000">
+                      <a:alpha val="43137"/>
+                    </a:srgbClr>
+                  </a:outerShdw>
+                </a:effectLst>
               </a:rPr>
-              <a:t> Extrapolation </a:t>
+              <a:t> </a:t>
             </a:r>
             <a:r>
-              <a:rPr lang="en-GB" sz="2400" dirty="0">
+              <a:rPr lang="it-IT" sz="2600" b="1" dirty="0" err="1">
                 <a:solidFill>
-                  <a:schemeClr val="bg1"/>
+                  <a:prstClr val="white"/>
                 </a:solidFill>
+                <a:effectLst>
+                  <a:outerShdw blurRad="38100" dist="38100" dir="2700000" algn="tl">
+                    <a:srgbClr val="000000">
+                      <a:alpha val="43137"/>
+                    </a:srgbClr>
+                  </a:outerShdw>
+                </a:effectLst>
+              </a:rPr>
+              <a:t>Extrapolation</a:t>
+            </a:r>
+            <a:r>
+              <a:rPr lang="it-IT" sz="2600" b="1" dirty="0">
+                <a:solidFill>
+                  <a:prstClr val="white"/>
+                </a:solidFill>
+                <a:effectLst>
+                  <a:outerShdw blurRad="38100" dist="38100" dir="2700000" algn="tl">
+                    <a:srgbClr val="000000">
+                      <a:alpha val="43137"/>
+                    </a:srgbClr>
+                  </a:outerShdw>
+                </a:effectLst>
+              </a:rPr>
+              <a:t> </a:t>
+            </a:r>
+            <a:r>
+              <a:rPr lang="it-IT" sz="2600" b="1" dirty="0">
+                <a:solidFill>
+                  <a:prstClr val="white"/>
+                </a:solidFill>
+                <a:effectLst>
+                  <a:outerShdw blurRad="38100" dist="38100" dir="2700000" algn="tl">
+                    <a:srgbClr val="000000">
+                      <a:alpha val="43137"/>
+                    </a:srgbClr>
+                  </a:outerShdw>
+                </a:effectLst>
                 <a:sym typeface="Wingdings" panose="05000000000000000000" pitchFamily="2" charset="2"/>
               </a:rPr>
-              <a:t> Interpolation</a:t>
+              <a:t></a:t>
             </a:r>
-            <a:endParaRPr lang="en-GB" sz="2400" dirty="0">
+            <a:r>
+              <a:rPr lang="it-IT" sz="2600" b="1" dirty="0">
+                <a:solidFill>
+                  <a:prstClr val="white"/>
+                </a:solidFill>
+                <a:effectLst>
+                  <a:outerShdw blurRad="38100" dist="38100" dir="2700000" algn="tl">
+                    <a:srgbClr val="000000">
+                      <a:alpha val="43137"/>
+                    </a:srgbClr>
+                  </a:outerShdw>
+                </a:effectLst>
+              </a:rPr>
+              <a:t> </a:t>
+            </a:r>
+            <a:r>
+              <a:rPr lang="it-IT" sz="2600" b="1" dirty="0" err="1">
+                <a:solidFill>
+                  <a:prstClr val="white"/>
+                </a:solidFill>
+                <a:effectLst>
+                  <a:outerShdw blurRad="38100" dist="38100" dir="2700000" algn="tl">
+                    <a:srgbClr val="000000">
+                      <a:alpha val="43137"/>
+                    </a:srgbClr>
+                  </a:outerShdw>
+                </a:effectLst>
+              </a:rPr>
+              <a:t>Interpolation</a:t>
+            </a:r>
+            <a:endParaRPr lang="it-IT" sz="2600" b="1" dirty="0">
               <a:solidFill>
-                <a:schemeClr val="bg1"/>
+                <a:prstClr val="white"/>
               </a:solidFill>
+              <a:effectLst>
+                <a:outerShdw blurRad="38100" dist="38100" dir="2700000" algn="tl">
+                  <a:srgbClr val="000000">
+                    <a:alpha val="43137"/>
+                  </a:srgbClr>
+                </a:outerShdw>
+              </a:effectLst>
             </a:endParaRPr>
           </a:p>
         </p:txBody>
       </p:sp>
       <p:sp>
         <p:nvSpPr>
-          <p:cNvPr id="10" name="CasellaDiTesto 9">
+          <p:cNvPr id="11" name="CasellaDiTesto 10">
             <a:extLst>
               <a:ext uri="{FF2B5EF4-FFF2-40B4-BE49-F238E27FC236}">
-                <a16:creationId xmlns:a16="http://schemas.microsoft.com/office/drawing/2014/main" id="{D9051813-5FDF-465A-92C1-92CA96C429B5}"/>
+                <a16:creationId xmlns:a16="http://schemas.microsoft.com/office/drawing/2014/main" id="{81CA789F-CC9C-44E3-A9F7-F1B067ACF3E2}"/>
               </a:ext>
             </a:extLst>
           </p:cNvPr>
@@ -56164,60 +56167,67 @@
         </p:nvSpPr>
         <p:spPr>
           <a:xfrm>
-            <a:off x="6431415" y="944455"/>
-            <a:ext cx="5517324" cy="461665"/>
+            <a:off x="6268627" y="1011063"/>
+            <a:ext cx="5616346" cy="492443"/>
           </a:xfrm>
           <a:prstGeom prst="rect">
             <a:avLst/>
           </a:prstGeom>
           <a:noFill/>
-          <a:ln w="19050">
-            <a:noFill/>
-          </a:ln>
         </p:spPr>
-        <p:style>
-          <a:lnRef idx="2">
-            <a:schemeClr val="dk1"/>
-          </a:lnRef>
-          <a:fillRef idx="1">
-            <a:schemeClr val="lt1"/>
-          </a:fillRef>
-          <a:effectRef idx="0">
-            <a:schemeClr val="dk1"/>
-          </a:effectRef>
-          <a:fontRef idx="minor">
-            <a:schemeClr val="dk1"/>
-          </a:fontRef>
-        </p:style>
         <p:txBody>
-          <a:bodyPr wrap="square" rtlCol="0">
+          <a:bodyPr wrap="none" rtlCol="0">
             <a:spAutoFit/>
           </a:bodyPr>
           <a:lstStyle/>
           <a:p>
-            <a:pPr algn="ctr"/>
+            <a:pPr lvl="0"/>
             <a:r>
-              <a:rPr lang="en-GB" sz="2400" dirty="0">
+              <a:rPr lang="en-US" sz="2600" b="1" dirty="0">
                 <a:solidFill>
-                  <a:schemeClr val="bg1"/>
+                  <a:prstClr val="white"/>
                 </a:solidFill>
+                <a:effectLst>
+                  <a:outerShdw blurRad="38100" dist="38100" dir="2700000" algn="tl">
+                    <a:srgbClr val="000000">
+                      <a:alpha val="43137"/>
+                    </a:srgbClr>
+                  </a:outerShdw>
+                </a:effectLst>
               </a:rPr>
-              <a:t>CEA analysis </a:t>
+              <a:t>CEA analysis + Mass flow rate </a:t>
             </a:r>
             <a:r>
-              <a:rPr lang="en-GB" sz="2400" dirty="0">
+              <a:rPr lang="en-US" sz="2600" b="1" dirty="0">
                 <a:solidFill>
-                  <a:schemeClr val="bg1"/>
+                  <a:prstClr val="white"/>
                 </a:solidFill>
+                <a:effectLst>
+                  <a:outerShdw blurRad="38100" dist="38100" dir="2700000" algn="tl">
+                    <a:srgbClr val="000000">
+                      <a:alpha val="43137"/>
+                    </a:srgbClr>
+                  </a:outerShdw>
+                </a:effectLst>
                 <a:sym typeface="Wingdings" panose="05000000000000000000" pitchFamily="2" charset="2"/>
               </a:rPr>
-              <a:t>+ Mass flow rate  Thrust</a:t>
+              <a:t></a:t>
             </a:r>
-            <a:endParaRPr lang="en-GB" sz="2400" dirty="0">
-              <a:solidFill>
-                <a:schemeClr val="bg1"/>
-              </a:solidFill>
-            </a:endParaRPr>
+            <a:r>
+              <a:rPr lang="en-US" sz="2600" b="1" dirty="0">
+                <a:solidFill>
+                  <a:prstClr val="white"/>
+                </a:solidFill>
+                <a:effectLst>
+                  <a:outerShdw blurRad="38100" dist="38100" dir="2700000" algn="tl">
+                    <a:srgbClr val="000000">
+                      <a:alpha val="43137"/>
+                    </a:srgbClr>
+                  </a:outerShdw>
+                </a:effectLst>
+              </a:rPr>
+              <a:t> Thrust</a:t>
+            </a:r>
           </a:p>
         </p:txBody>
       </p:sp>
@@ -56441,14 +56451,17 @@
         </p:nvSpPr>
         <p:spPr>
           <a:xfrm>
-            <a:off x="5073122" y="973428"/>
+            <a:off x="4625447" y="973428"/>
             <a:ext cx="814192" cy="369332"/>
           </a:xfrm>
           <a:prstGeom prst="rect">
             <a:avLst/>
           </a:prstGeom>
+          <a:ln>
+            <a:noFill/>
+          </a:ln>
           <a:effectLst>
-            <a:outerShdw blurRad="50800" dist="38100" dir="5400000" algn="ctr" rotWithShape="0">
+            <a:outerShdw blurRad="50800" dist="25400" dir="5400000" algn="ctr" rotWithShape="0">
               <a:srgbClr val="000000">
                 <a:alpha val="40000"/>
               </a:srgbClr>
@@ -56502,8 +56515,11 @@
           <a:prstGeom prst="rect">
             <a:avLst/>
           </a:prstGeom>
+          <a:ln>
+            <a:noFill/>
+          </a:ln>
           <a:effectLst>
-            <a:outerShdw blurRad="50800" dist="38100" dir="5400000" algn="ctr" rotWithShape="0">
+            <a:outerShdw blurRad="50800" dist="25400" dir="5400000" algn="ctr" rotWithShape="0">
               <a:srgbClr val="000000">
                 <a:alpha val="40000"/>
               </a:srgbClr>
@@ -56565,7 +56581,7 @@
         </p:blipFill>
         <p:spPr>
           <a:xfrm>
-            <a:off x="912681" y="2334799"/>
+            <a:off x="465006" y="2334799"/>
             <a:ext cx="3735529" cy="1080000"/>
           </a:xfrm>
           <a:prstGeom prst="rect">
@@ -56645,7 +56661,7 @@
         </p:nvCxnSpPr>
         <p:spPr>
           <a:xfrm flipV="1">
-            <a:off x="4641365" y="4774223"/>
+            <a:off x="4193690" y="4774223"/>
             <a:ext cx="0" cy="1509160"/>
           </a:xfrm>
           <a:prstGeom prst="straightConnector1">
@@ -56735,7 +56751,7 @@
             </p:nvSpPr>
             <p:spPr>
               <a:xfrm>
-                <a:off x="2293193" y="4769171"/>
+                <a:off x="1845518" y="4769171"/>
                 <a:ext cx="2277009" cy="369332"/>
               </a:xfrm>
               <a:prstGeom prst="rect">
@@ -56881,7 +56897,7 @@
             </p:nvSpPr>
             <p:spPr>
               <a:xfrm>
-                <a:off x="2293193" y="4769171"/>
+                <a:off x="1845518" y="4769171"/>
                 <a:ext cx="2277009" cy="369332"/>
               </a:xfrm>
               <a:prstGeom prst="rect">
@@ -56909,8 +56925,8 @@
           </p:sp>
         </mc:Fallback>
       </mc:AlternateContent>
-      <mc:AlternateContent xmlns:mc="http://schemas.openxmlformats.org/markup-compatibility/2006">
-        <mc:Choice xmlns:a14="http://schemas.microsoft.com/office/drawing/2010/main" Requires="a14">
+      <mc:AlternateContent xmlns:mc="http://schemas.openxmlformats.org/markup-compatibility/2006" xmlns:a14="http://schemas.microsoft.com/office/drawing/2010/main">
+        <mc:Choice Requires="a14">
           <p:sp>
             <p:nvSpPr>
               <p:cNvPr id="19" name="CasellaDiTesto 18">
@@ -57054,7 +57070,7 @@
             </p:txBody>
           </p:sp>
         </mc:Choice>
-        <mc:Fallback>
+        <mc:Fallback xmlns="">
           <p:sp>
             <p:nvSpPr>
               <p:cNvPr id="19" name="CasellaDiTesto 18">
@@ -57127,7 +57143,7 @@
         </p:blipFill>
         <p:spPr>
           <a:xfrm>
-            <a:off x="4850962" y="1423382"/>
+            <a:off x="4403287" y="1423382"/>
             <a:ext cx="1258512" cy="4860000"/>
           </a:xfrm>
           <a:prstGeom prst="rect">
